--- a/docs/script-consultas-dig-v1.pptx
+++ b/docs/script-consultas-dig-v1.pptx
@@ -5,12 +5,15 @@
     <p:sldMasterId id="2147483648" r:id="rId1"/>
   </p:sldMasterIdLst>
   <p:sldIdLst>
-    <p:sldId id="256" r:id="rId2"/>
-    <p:sldId id="257" r:id="rId3"/>
-    <p:sldId id="258" r:id="rId4"/>
-    <p:sldId id="259" r:id="rId5"/>
+    <p:sldId id="260" r:id="rId2"/>
+    <p:sldId id="256" r:id="rId3"/>
+    <p:sldId id="257" r:id="rId4"/>
+    <p:sldId id="258" r:id="rId5"/>
+    <p:sldId id="259" r:id="rId6"/>
+    <p:sldId id="261" r:id="rId7"/>
+    <p:sldId id="262" r:id="rId8"/>
   </p:sldIdLst>
-  <p:sldSz cx="9144000" cy="6858000" type="screen4x3"/>
+  <p:sldSz cx="9144000" cy="5143500" type="screen16x9"/>
   <p:notesSz cx="6858000" cy="9144000"/>
   <p:defaultTextStyle>
     <a:defPPr>
@@ -107,6 +110,22 @@
       </a:defRPr>
     </a:lvl9pPr>
   </p:defaultTextStyle>
+  <p:extLst>
+    <p:ext uri="{EFAFB233-063F-42B5-8137-9DF3F51BA10A}">
+      <p15:sldGuideLst xmlns:p15="http://schemas.microsoft.com/office/powerpoint/2012/main">
+        <p15:guide id="1" orient="horz" pos="1620" userDrawn="1">
+          <p15:clr>
+            <a:srgbClr val="A4A3A4"/>
+          </p15:clr>
+        </p15:guide>
+        <p15:guide id="2" pos="2880" userDrawn="1">
+          <p15:clr>
+            <a:srgbClr val="A4A3A4"/>
+          </p15:clr>
+        </p15:guide>
+      </p15:sldGuideLst>
+    </p:ext>
+  </p:extLst>
 </p:presentation>
 </file>
 
@@ -139,8 +158,8 @@
         </p:nvSpPr>
         <p:spPr>
           <a:xfrm>
-            <a:off x="685800" y="2130425"/>
-            <a:ext cx="7772400" cy="1470025"/>
+            <a:off x="685800" y="1597819"/>
+            <a:ext cx="7772400" cy="1102519"/>
           </a:xfrm>
         </p:spPr>
         <p:txBody>
@@ -148,7 +167,7 @@
           <a:lstStyle/>
           <a:p>
             <a:r>
-              <a:rPr lang="es-ES_tradnl" smtClean="0"/>
+              <a:rPr lang="es-ES_tradnl"/>
               <a:t>Click to edit Master title style</a:t>
             </a:r>
             <a:endParaRPr lang="en-US"/>
@@ -167,8 +186,8 @@
         </p:nvSpPr>
         <p:spPr>
           <a:xfrm>
-            <a:off x="1371600" y="3886200"/>
-            <a:ext cx="6400800" cy="1752600"/>
+            <a:off x="1371600" y="2914650"/>
+            <a:ext cx="6400800" cy="1314450"/>
           </a:xfrm>
         </p:spPr>
         <p:txBody>
@@ -184,7 +203,7 @@
                 </a:solidFill>
               </a:defRPr>
             </a:lvl1pPr>
-            <a:lvl2pPr marL="457200" indent="0" algn="ctr">
+            <a:lvl2pPr marL="342900" indent="0" algn="ctr">
               <a:buNone/>
               <a:defRPr>
                 <a:solidFill>
@@ -194,7 +213,7 @@
                 </a:solidFill>
               </a:defRPr>
             </a:lvl2pPr>
-            <a:lvl3pPr marL="914400" indent="0" algn="ctr">
+            <a:lvl3pPr marL="685800" indent="0" algn="ctr">
               <a:buNone/>
               <a:defRPr>
                 <a:solidFill>
@@ -204,7 +223,7 @@
                 </a:solidFill>
               </a:defRPr>
             </a:lvl3pPr>
-            <a:lvl4pPr marL="1371600" indent="0" algn="ctr">
+            <a:lvl4pPr marL="1028700" indent="0" algn="ctr">
               <a:buNone/>
               <a:defRPr>
                 <a:solidFill>
@@ -214,7 +233,7 @@
                 </a:solidFill>
               </a:defRPr>
             </a:lvl4pPr>
-            <a:lvl5pPr marL="1828800" indent="0" algn="ctr">
+            <a:lvl5pPr marL="1371600" indent="0" algn="ctr">
               <a:buNone/>
               <a:defRPr>
                 <a:solidFill>
@@ -224,7 +243,7 @@
                 </a:solidFill>
               </a:defRPr>
             </a:lvl5pPr>
-            <a:lvl6pPr marL="2286000" indent="0" algn="ctr">
+            <a:lvl6pPr marL="1714500" indent="0" algn="ctr">
               <a:buNone/>
               <a:defRPr>
                 <a:solidFill>
@@ -234,7 +253,7 @@
                 </a:solidFill>
               </a:defRPr>
             </a:lvl6pPr>
-            <a:lvl7pPr marL="2743200" indent="0" algn="ctr">
+            <a:lvl7pPr marL="2057400" indent="0" algn="ctr">
               <a:buNone/>
               <a:defRPr>
                 <a:solidFill>
@@ -244,7 +263,7 @@
                 </a:solidFill>
               </a:defRPr>
             </a:lvl7pPr>
-            <a:lvl8pPr marL="3200400" indent="0" algn="ctr">
+            <a:lvl8pPr marL="2400300" indent="0" algn="ctr">
               <a:buNone/>
               <a:defRPr>
                 <a:solidFill>
@@ -254,7 +273,7 @@
                 </a:solidFill>
               </a:defRPr>
             </a:lvl8pPr>
-            <a:lvl9pPr marL="3657600" indent="0" algn="ctr">
+            <a:lvl9pPr marL="2743200" indent="0" algn="ctr">
               <a:buNone/>
               <a:defRPr>
                 <a:solidFill>
@@ -267,7 +286,7 @@
           </a:lstStyle>
           <a:p>
             <a:r>
-              <a:rPr lang="es-ES_tradnl" smtClean="0"/>
+              <a:rPr lang="es-ES_tradnl"/>
               <a:t>Click to edit Master subtitle style</a:t>
             </a:r>
             <a:endParaRPr lang="en-US"/>
@@ -291,7 +310,7 @@
           <a:p>
             <a:fld id="{72EEE1A6-C882-7040-87E5-999AB7997EFA}" type="datetimeFigureOut">
               <a:rPr lang="en-US" smtClean="0"/>
-              <a:t>7/2/14</a:t>
+              <a:t>1/28/19</a:t>
             </a:fld>
             <a:endParaRPr lang="en-US"/>
           </a:p>
@@ -349,13 +368,13 @@
   <p:clrMapOvr>
     <a:masterClrMapping/>
   </p:clrMapOvr>
-  <mc:AlternateContent xmlns:mc="http://schemas.openxmlformats.org/markup-compatibility/2006">
-    <mc:Choice xmlns:p14="http://schemas.microsoft.com/office/powerpoint/2010/main" Requires="p14">
+  <mc:AlternateContent xmlns:mc="http://schemas.openxmlformats.org/markup-compatibility/2006" xmlns:p14="http://schemas.microsoft.com/office/powerpoint/2010/main">
+    <mc:Choice Requires="p14">
       <p:transition spd="med" p14:dur="700">
         <p:fade/>
       </p:transition>
     </mc:Choice>
-    <mc:Fallback>
+    <mc:Fallback xmlns="">
       <p:transition xmlns:p14="http://schemas.microsoft.com/office/powerpoint/2010/main" spd="med">
         <p:fade/>
       </p:transition>
@@ -397,7 +416,7 @@
           <a:lstStyle/>
           <a:p>
             <a:r>
-              <a:rPr lang="es-ES_tradnl" smtClean="0"/>
+              <a:rPr lang="es-ES_tradnl"/>
               <a:t>Click to edit Master title style</a:t>
             </a:r>
             <a:endParaRPr lang="en-US"/>
@@ -421,35 +440,35 @@
           <a:p>
             <a:pPr lvl="0"/>
             <a:r>
-              <a:rPr lang="es-ES_tradnl" smtClean="0"/>
+              <a:rPr lang="es-ES_tradnl"/>
               <a:t>Click to edit Master text styles</a:t>
             </a:r>
           </a:p>
           <a:p>
             <a:pPr lvl="1"/>
             <a:r>
-              <a:rPr lang="es-ES_tradnl" smtClean="0"/>
+              <a:rPr lang="es-ES_tradnl"/>
               <a:t>Second level</a:t>
             </a:r>
           </a:p>
           <a:p>
             <a:pPr lvl="2"/>
             <a:r>
-              <a:rPr lang="es-ES_tradnl" smtClean="0"/>
+              <a:rPr lang="es-ES_tradnl"/>
               <a:t>Third level</a:t>
             </a:r>
           </a:p>
           <a:p>
             <a:pPr lvl="3"/>
             <a:r>
-              <a:rPr lang="es-ES_tradnl" smtClean="0"/>
+              <a:rPr lang="es-ES_tradnl"/>
               <a:t>Fourth level</a:t>
             </a:r>
           </a:p>
           <a:p>
             <a:pPr lvl="4"/>
             <a:r>
-              <a:rPr lang="es-ES_tradnl" smtClean="0"/>
+              <a:rPr lang="es-ES_tradnl"/>
               <a:t>Fifth level</a:t>
             </a:r>
             <a:endParaRPr lang="en-US"/>
@@ -473,7 +492,7 @@
           <a:p>
             <a:fld id="{72EEE1A6-C882-7040-87E5-999AB7997EFA}" type="datetimeFigureOut">
               <a:rPr lang="en-US" smtClean="0"/>
-              <a:t>7/2/14</a:t>
+              <a:t>1/28/19</a:t>
             </a:fld>
             <a:endParaRPr lang="en-US"/>
           </a:p>
@@ -531,13 +550,13 @@
   <p:clrMapOvr>
     <a:masterClrMapping/>
   </p:clrMapOvr>
-  <mc:AlternateContent xmlns:mc="http://schemas.openxmlformats.org/markup-compatibility/2006">
-    <mc:Choice xmlns:p14="http://schemas.microsoft.com/office/powerpoint/2010/main" Requires="p14">
+  <mc:AlternateContent xmlns:mc="http://schemas.openxmlformats.org/markup-compatibility/2006" xmlns:p14="http://schemas.microsoft.com/office/powerpoint/2010/main">
+    <mc:Choice Requires="p14">
       <p:transition spd="med" p14:dur="700">
         <p:fade/>
       </p:transition>
     </mc:Choice>
-    <mc:Fallback>
+    <mc:Fallback xmlns="">
       <p:transition xmlns:p14="http://schemas.microsoft.com/office/powerpoint/2010/main" spd="med">
         <p:fade/>
       </p:transition>
@@ -575,8 +594,8 @@
         </p:nvSpPr>
         <p:spPr>
           <a:xfrm>
-            <a:off x="6629400" y="274638"/>
-            <a:ext cx="2057400" cy="5851525"/>
+            <a:off x="6629400" y="205979"/>
+            <a:ext cx="2057400" cy="4388644"/>
           </a:xfrm>
         </p:spPr>
         <p:txBody>
@@ -584,7 +603,7 @@
           <a:lstStyle/>
           <a:p>
             <a:r>
-              <a:rPr lang="es-ES_tradnl" smtClean="0"/>
+              <a:rPr lang="es-ES_tradnl"/>
               <a:t>Click to edit Master title style</a:t>
             </a:r>
             <a:endParaRPr lang="en-US"/>
@@ -603,8 +622,8 @@
         </p:nvSpPr>
         <p:spPr>
           <a:xfrm>
-            <a:off x="457200" y="274638"/>
-            <a:ext cx="6019800" cy="5851525"/>
+            <a:off x="457200" y="205979"/>
+            <a:ext cx="6019800" cy="4388644"/>
           </a:xfrm>
         </p:spPr>
         <p:txBody>
@@ -613,35 +632,35 @@
           <a:p>
             <a:pPr lvl="0"/>
             <a:r>
-              <a:rPr lang="es-ES_tradnl" smtClean="0"/>
+              <a:rPr lang="es-ES_tradnl"/>
               <a:t>Click to edit Master text styles</a:t>
             </a:r>
           </a:p>
           <a:p>
             <a:pPr lvl="1"/>
             <a:r>
-              <a:rPr lang="es-ES_tradnl" smtClean="0"/>
+              <a:rPr lang="es-ES_tradnl"/>
               <a:t>Second level</a:t>
             </a:r>
           </a:p>
           <a:p>
             <a:pPr lvl="2"/>
             <a:r>
-              <a:rPr lang="es-ES_tradnl" smtClean="0"/>
+              <a:rPr lang="es-ES_tradnl"/>
               <a:t>Third level</a:t>
             </a:r>
           </a:p>
           <a:p>
             <a:pPr lvl="3"/>
             <a:r>
-              <a:rPr lang="es-ES_tradnl" smtClean="0"/>
+              <a:rPr lang="es-ES_tradnl"/>
               <a:t>Fourth level</a:t>
             </a:r>
           </a:p>
           <a:p>
             <a:pPr lvl="4"/>
             <a:r>
-              <a:rPr lang="es-ES_tradnl" smtClean="0"/>
+              <a:rPr lang="es-ES_tradnl"/>
               <a:t>Fifth level</a:t>
             </a:r>
             <a:endParaRPr lang="en-US"/>
@@ -665,7 +684,7 @@
           <a:p>
             <a:fld id="{72EEE1A6-C882-7040-87E5-999AB7997EFA}" type="datetimeFigureOut">
               <a:rPr lang="en-US" smtClean="0"/>
-              <a:t>7/2/14</a:t>
+              <a:t>1/28/19</a:t>
             </a:fld>
             <a:endParaRPr lang="en-US"/>
           </a:p>
@@ -723,13 +742,13 @@
   <p:clrMapOvr>
     <a:masterClrMapping/>
   </p:clrMapOvr>
-  <mc:AlternateContent xmlns:mc="http://schemas.openxmlformats.org/markup-compatibility/2006">
-    <mc:Choice xmlns:p14="http://schemas.microsoft.com/office/powerpoint/2010/main" Requires="p14">
+  <mc:AlternateContent xmlns:mc="http://schemas.openxmlformats.org/markup-compatibility/2006" xmlns:p14="http://schemas.microsoft.com/office/powerpoint/2010/main">
+    <mc:Choice Requires="p14">
       <p:transition spd="med" p14:dur="700">
         <p:fade/>
       </p:transition>
     </mc:Choice>
-    <mc:Fallback>
+    <mc:Fallback xmlns="">
       <p:transition xmlns:p14="http://schemas.microsoft.com/office/powerpoint/2010/main" spd="med">
         <p:fade/>
       </p:transition>
@@ -771,7 +790,7 @@
           <a:lstStyle/>
           <a:p>
             <a:r>
-              <a:rPr lang="es-ES_tradnl" smtClean="0"/>
+              <a:rPr lang="es-ES_tradnl"/>
               <a:t>Click to edit Master title style</a:t>
             </a:r>
             <a:endParaRPr lang="en-US"/>
@@ -795,35 +814,35 @@
           <a:p>
             <a:pPr lvl="0"/>
             <a:r>
-              <a:rPr lang="es-ES_tradnl" smtClean="0"/>
+              <a:rPr lang="es-ES_tradnl"/>
               <a:t>Click to edit Master text styles</a:t>
             </a:r>
           </a:p>
           <a:p>
             <a:pPr lvl="1"/>
             <a:r>
-              <a:rPr lang="es-ES_tradnl" smtClean="0"/>
+              <a:rPr lang="es-ES_tradnl"/>
               <a:t>Second level</a:t>
             </a:r>
           </a:p>
           <a:p>
             <a:pPr lvl="2"/>
             <a:r>
-              <a:rPr lang="es-ES_tradnl" smtClean="0"/>
+              <a:rPr lang="es-ES_tradnl"/>
               <a:t>Third level</a:t>
             </a:r>
           </a:p>
           <a:p>
             <a:pPr lvl="3"/>
             <a:r>
-              <a:rPr lang="es-ES_tradnl" smtClean="0"/>
+              <a:rPr lang="es-ES_tradnl"/>
               <a:t>Fourth level</a:t>
             </a:r>
           </a:p>
           <a:p>
             <a:pPr lvl="4"/>
             <a:r>
-              <a:rPr lang="es-ES_tradnl" smtClean="0"/>
+              <a:rPr lang="es-ES_tradnl"/>
               <a:t>Fifth level</a:t>
             </a:r>
             <a:endParaRPr lang="en-US"/>
@@ -847,7 +866,7 @@
           <a:p>
             <a:fld id="{72EEE1A6-C882-7040-87E5-999AB7997EFA}" type="datetimeFigureOut">
               <a:rPr lang="en-US" smtClean="0"/>
-              <a:t>7/2/14</a:t>
+              <a:t>1/28/19</a:t>
             </a:fld>
             <a:endParaRPr lang="en-US"/>
           </a:p>
@@ -905,13 +924,13 @@
   <p:clrMapOvr>
     <a:masterClrMapping/>
   </p:clrMapOvr>
-  <mc:AlternateContent xmlns:mc="http://schemas.openxmlformats.org/markup-compatibility/2006">
-    <mc:Choice xmlns:p14="http://schemas.microsoft.com/office/powerpoint/2010/main" Requires="p14">
+  <mc:AlternateContent xmlns:mc="http://schemas.openxmlformats.org/markup-compatibility/2006" xmlns:p14="http://schemas.microsoft.com/office/powerpoint/2010/main">
+    <mc:Choice Requires="p14">
       <p:transition spd="med" p14:dur="700">
         <p:fade/>
       </p:transition>
     </mc:Choice>
-    <mc:Fallback>
+    <mc:Fallback xmlns="">
       <p:transition xmlns:p14="http://schemas.microsoft.com/office/powerpoint/2010/main" spd="med">
         <p:fade/>
       </p:transition>
@@ -949,20 +968,20 @@
         </p:nvSpPr>
         <p:spPr>
           <a:xfrm>
-            <a:off x="722313" y="4406900"/>
-            <a:ext cx="7772400" cy="1362075"/>
+            <a:off x="722313" y="3305176"/>
+            <a:ext cx="7772400" cy="1021556"/>
           </a:xfrm>
         </p:spPr>
         <p:txBody>
           <a:bodyPr anchor="t"/>
           <a:lstStyle>
             <a:lvl1pPr algn="l">
-              <a:defRPr sz="4000" b="1" cap="all"/>
+              <a:defRPr sz="3000" b="1" cap="all"/>
             </a:lvl1pPr>
           </a:lstStyle>
           <a:p>
             <a:r>
-              <a:rPr lang="es-ES_tradnl" smtClean="0"/>
+              <a:rPr lang="es-ES_tradnl"/>
               <a:t>Click to edit Master title style</a:t>
             </a:r>
             <a:endParaRPr lang="en-US"/>
@@ -981,8 +1000,8 @@
         </p:nvSpPr>
         <p:spPr>
           <a:xfrm>
-            <a:off x="722313" y="2906713"/>
-            <a:ext cx="7772400" cy="1500187"/>
+            <a:off x="722313" y="2180035"/>
+            <a:ext cx="7772400" cy="1125140"/>
           </a:xfrm>
         </p:spPr>
         <p:txBody>
@@ -990,7 +1009,7 @@
           <a:lstStyle>
             <a:lvl1pPr marL="0" indent="0">
               <a:buNone/>
-              <a:defRPr sz="2000">
+              <a:defRPr sz="1500">
                 <a:solidFill>
                   <a:schemeClr val="tx1">
                     <a:tint val="75000"/>
@@ -998,9 +1017,9 @@
                 </a:solidFill>
               </a:defRPr>
             </a:lvl1pPr>
-            <a:lvl2pPr marL="457200" indent="0">
+            <a:lvl2pPr marL="342900" indent="0">
               <a:buNone/>
-              <a:defRPr sz="1800">
+              <a:defRPr sz="1350">
                 <a:solidFill>
                   <a:schemeClr val="tx1">
                     <a:tint val="75000"/>
@@ -1008,9 +1027,9 @@
                 </a:solidFill>
               </a:defRPr>
             </a:lvl2pPr>
-            <a:lvl3pPr marL="914400" indent="0">
+            <a:lvl3pPr marL="685800" indent="0">
               <a:buNone/>
-              <a:defRPr sz="1600">
+              <a:defRPr sz="1200">
                 <a:solidFill>
                   <a:schemeClr val="tx1">
                     <a:tint val="75000"/>
@@ -1018,9 +1037,9 @@
                 </a:solidFill>
               </a:defRPr>
             </a:lvl3pPr>
-            <a:lvl4pPr marL="1371600" indent="0">
+            <a:lvl4pPr marL="1028700" indent="0">
               <a:buNone/>
-              <a:defRPr sz="1400">
+              <a:defRPr sz="1050">
                 <a:solidFill>
                   <a:schemeClr val="tx1">
                     <a:tint val="75000"/>
@@ -1028,9 +1047,9 @@
                 </a:solidFill>
               </a:defRPr>
             </a:lvl4pPr>
-            <a:lvl5pPr marL="1828800" indent="0">
+            <a:lvl5pPr marL="1371600" indent="0">
               <a:buNone/>
-              <a:defRPr sz="1400">
+              <a:defRPr sz="1050">
                 <a:solidFill>
                   <a:schemeClr val="tx1">
                     <a:tint val="75000"/>
@@ -1038,9 +1057,9 @@
                 </a:solidFill>
               </a:defRPr>
             </a:lvl5pPr>
-            <a:lvl6pPr marL="2286000" indent="0">
+            <a:lvl6pPr marL="1714500" indent="0">
               <a:buNone/>
-              <a:defRPr sz="1400">
+              <a:defRPr sz="1050">
                 <a:solidFill>
                   <a:schemeClr val="tx1">
                     <a:tint val="75000"/>
@@ -1048,9 +1067,9 @@
                 </a:solidFill>
               </a:defRPr>
             </a:lvl6pPr>
-            <a:lvl7pPr marL="2743200" indent="0">
+            <a:lvl7pPr marL="2057400" indent="0">
               <a:buNone/>
-              <a:defRPr sz="1400">
+              <a:defRPr sz="1050">
                 <a:solidFill>
                   <a:schemeClr val="tx1">
                     <a:tint val="75000"/>
@@ -1058,9 +1077,9 @@
                 </a:solidFill>
               </a:defRPr>
             </a:lvl7pPr>
-            <a:lvl8pPr marL="3200400" indent="0">
+            <a:lvl8pPr marL="2400300" indent="0">
               <a:buNone/>
-              <a:defRPr sz="1400">
+              <a:defRPr sz="1050">
                 <a:solidFill>
                   <a:schemeClr val="tx1">
                     <a:tint val="75000"/>
@@ -1068,9 +1087,9 @@
                 </a:solidFill>
               </a:defRPr>
             </a:lvl8pPr>
-            <a:lvl9pPr marL="3657600" indent="0">
+            <a:lvl9pPr marL="2743200" indent="0">
               <a:buNone/>
-              <a:defRPr sz="1400">
+              <a:defRPr sz="1050">
                 <a:solidFill>
                   <a:schemeClr val="tx1">
                     <a:tint val="75000"/>
@@ -1082,7 +1101,7 @@
           <a:p>
             <a:pPr lvl="0"/>
             <a:r>
-              <a:rPr lang="es-ES_tradnl" smtClean="0"/>
+              <a:rPr lang="es-ES_tradnl"/>
               <a:t>Click to edit Master text styles</a:t>
             </a:r>
           </a:p>
@@ -1105,7 +1124,7 @@
           <a:p>
             <a:fld id="{72EEE1A6-C882-7040-87E5-999AB7997EFA}" type="datetimeFigureOut">
               <a:rPr lang="en-US" smtClean="0"/>
-              <a:t>7/2/14</a:t>
+              <a:t>1/28/19</a:t>
             </a:fld>
             <a:endParaRPr lang="en-US"/>
           </a:p>
@@ -1163,13 +1182,13 @@
   <p:clrMapOvr>
     <a:masterClrMapping/>
   </p:clrMapOvr>
-  <mc:AlternateContent xmlns:mc="http://schemas.openxmlformats.org/markup-compatibility/2006">
-    <mc:Choice xmlns:p14="http://schemas.microsoft.com/office/powerpoint/2010/main" Requires="p14">
+  <mc:AlternateContent xmlns:mc="http://schemas.openxmlformats.org/markup-compatibility/2006" xmlns:p14="http://schemas.microsoft.com/office/powerpoint/2010/main">
+    <mc:Choice Requires="p14">
       <p:transition spd="med" p14:dur="700">
         <p:fade/>
       </p:transition>
     </mc:Choice>
-    <mc:Fallback>
+    <mc:Fallback xmlns="">
       <p:transition xmlns:p14="http://schemas.microsoft.com/office/powerpoint/2010/main" spd="med">
         <p:fade/>
       </p:transition>
@@ -1211,7 +1230,7 @@
           <a:lstStyle/>
           <a:p>
             <a:r>
-              <a:rPr lang="es-ES_tradnl" smtClean="0"/>
+              <a:rPr lang="es-ES_tradnl"/>
               <a:t>Click to edit Master title style</a:t>
             </a:r>
             <a:endParaRPr lang="en-US"/>
@@ -1230,73 +1249,73 @@
         </p:nvSpPr>
         <p:spPr>
           <a:xfrm>
-            <a:off x="457200" y="1600200"/>
-            <a:ext cx="4038600" cy="4525963"/>
+            <a:off x="457200" y="1200151"/>
+            <a:ext cx="4038600" cy="3394472"/>
           </a:xfrm>
         </p:spPr>
         <p:txBody>
           <a:bodyPr/>
           <a:lstStyle>
             <a:lvl1pPr>
-              <a:defRPr sz="2800"/>
+              <a:defRPr sz="2100"/>
             </a:lvl1pPr>
             <a:lvl2pPr>
-              <a:defRPr sz="2400"/>
+              <a:defRPr sz="1800"/>
             </a:lvl2pPr>
             <a:lvl3pPr>
-              <a:defRPr sz="2000"/>
+              <a:defRPr sz="1500"/>
             </a:lvl3pPr>
             <a:lvl4pPr>
-              <a:defRPr sz="1800"/>
+              <a:defRPr sz="1350"/>
             </a:lvl4pPr>
             <a:lvl5pPr>
-              <a:defRPr sz="1800"/>
+              <a:defRPr sz="1350"/>
             </a:lvl5pPr>
             <a:lvl6pPr>
-              <a:defRPr sz="1800"/>
+              <a:defRPr sz="1350"/>
             </a:lvl6pPr>
             <a:lvl7pPr>
-              <a:defRPr sz="1800"/>
+              <a:defRPr sz="1350"/>
             </a:lvl7pPr>
             <a:lvl8pPr>
-              <a:defRPr sz="1800"/>
+              <a:defRPr sz="1350"/>
             </a:lvl8pPr>
             <a:lvl9pPr>
-              <a:defRPr sz="1800"/>
+              <a:defRPr sz="1350"/>
             </a:lvl9pPr>
           </a:lstStyle>
           <a:p>
             <a:pPr lvl="0"/>
             <a:r>
-              <a:rPr lang="es-ES_tradnl" smtClean="0"/>
+              <a:rPr lang="es-ES_tradnl"/>
               <a:t>Click to edit Master text styles</a:t>
             </a:r>
           </a:p>
           <a:p>
             <a:pPr lvl="1"/>
             <a:r>
-              <a:rPr lang="es-ES_tradnl" smtClean="0"/>
+              <a:rPr lang="es-ES_tradnl"/>
               <a:t>Second level</a:t>
             </a:r>
           </a:p>
           <a:p>
             <a:pPr lvl="2"/>
             <a:r>
-              <a:rPr lang="es-ES_tradnl" smtClean="0"/>
+              <a:rPr lang="es-ES_tradnl"/>
               <a:t>Third level</a:t>
             </a:r>
           </a:p>
           <a:p>
             <a:pPr lvl="3"/>
             <a:r>
-              <a:rPr lang="es-ES_tradnl" smtClean="0"/>
+              <a:rPr lang="es-ES_tradnl"/>
               <a:t>Fourth level</a:t>
             </a:r>
           </a:p>
           <a:p>
             <a:pPr lvl="4"/>
             <a:r>
-              <a:rPr lang="es-ES_tradnl" smtClean="0"/>
+              <a:rPr lang="es-ES_tradnl"/>
               <a:t>Fifth level</a:t>
             </a:r>
             <a:endParaRPr lang="en-US"/>
@@ -1315,73 +1334,73 @@
         </p:nvSpPr>
         <p:spPr>
           <a:xfrm>
-            <a:off x="4648200" y="1600200"/>
-            <a:ext cx="4038600" cy="4525963"/>
+            <a:off x="4648200" y="1200151"/>
+            <a:ext cx="4038600" cy="3394472"/>
           </a:xfrm>
         </p:spPr>
         <p:txBody>
           <a:bodyPr/>
           <a:lstStyle>
             <a:lvl1pPr>
-              <a:defRPr sz="2800"/>
+              <a:defRPr sz="2100"/>
             </a:lvl1pPr>
             <a:lvl2pPr>
-              <a:defRPr sz="2400"/>
+              <a:defRPr sz="1800"/>
             </a:lvl2pPr>
             <a:lvl3pPr>
-              <a:defRPr sz="2000"/>
+              <a:defRPr sz="1500"/>
             </a:lvl3pPr>
             <a:lvl4pPr>
-              <a:defRPr sz="1800"/>
+              <a:defRPr sz="1350"/>
             </a:lvl4pPr>
             <a:lvl5pPr>
-              <a:defRPr sz="1800"/>
+              <a:defRPr sz="1350"/>
             </a:lvl5pPr>
             <a:lvl6pPr>
-              <a:defRPr sz="1800"/>
+              <a:defRPr sz="1350"/>
             </a:lvl6pPr>
             <a:lvl7pPr>
-              <a:defRPr sz="1800"/>
+              <a:defRPr sz="1350"/>
             </a:lvl7pPr>
             <a:lvl8pPr>
-              <a:defRPr sz="1800"/>
+              <a:defRPr sz="1350"/>
             </a:lvl8pPr>
             <a:lvl9pPr>
-              <a:defRPr sz="1800"/>
+              <a:defRPr sz="1350"/>
             </a:lvl9pPr>
           </a:lstStyle>
           <a:p>
             <a:pPr lvl="0"/>
             <a:r>
-              <a:rPr lang="es-ES_tradnl" smtClean="0"/>
+              <a:rPr lang="es-ES_tradnl"/>
               <a:t>Click to edit Master text styles</a:t>
             </a:r>
           </a:p>
           <a:p>
             <a:pPr lvl="1"/>
             <a:r>
-              <a:rPr lang="es-ES_tradnl" smtClean="0"/>
+              <a:rPr lang="es-ES_tradnl"/>
               <a:t>Second level</a:t>
             </a:r>
           </a:p>
           <a:p>
             <a:pPr lvl="2"/>
             <a:r>
-              <a:rPr lang="es-ES_tradnl" smtClean="0"/>
+              <a:rPr lang="es-ES_tradnl"/>
               <a:t>Third level</a:t>
             </a:r>
           </a:p>
           <a:p>
             <a:pPr lvl="3"/>
             <a:r>
-              <a:rPr lang="es-ES_tradnl" smtClean="0"/>
+              <a:rPr lang="es-ES_tradnl"/>
               <a:t>Fourth level</a:t>
             </a:r>
           </a:p>
           <a:p>
             <a:pPr lvl="4"/>
             <a:r>
-              <a:rPr lang="es-ES_tradnl" smtClean="0"/>
+              <a:rPr lang="es-ES_tradnl"/>
               <a:t>Fifth level</a:t>
             </a:r>
             <a:endParaRPr lang="en-US"/>
@@ -1405,7 +1424,7 @@
           <a:p>
             <a:fld id="{72EEE1A6-C882-7040-87E5-999AB7997EFA}" type="datetimeFigureOut">
               <a:rPr lang="en-US" smtClean="0"/>
-              <a:t>7/2/14</a:t>
+              <a:t>1/28/19</a:t>
             </a:fld>
             <a:endParaRPr lang="en-US"/>
           </a:p>
@@ -1463,13 +1482,13 @@
   <p:clrMapOvr>
     <a:masterClrMapping/>
   </p:clrMapOvr>
-  <mc:AlternateContent xmlns:mc="http://schemas.openxmlformats.org/markup-compatibility/2006">
-    <mc:Choice xmlns:p14="http://schemas.microsoft.com/office/powerpoint/2010/main" Requires="p14">
+  <mc:AlternateContent xmlns:mc="http://schemas.openxmlformats.org/markup-compatibility/2006" xmlns:p14="http://schemas.microsoft.com/office/powerpoint/2010/main">
+    <mc:Choice Requires="p14">
       <p:transition spd="med" p14:dur="700">
         <p:fade/>
       </p:transition>
     </mc:Choice>
-    <mc:Fallback>
+    <mc:Fallback xmlns="">
       <p:transition xmlns:p14="http://schemas.microsoft.com/office/powerpoint/2010/main" spd="med">
         <p:fade/>
       </p:transition>
@@ -1515,7 +1534,7 @@
           </a:lstStyle>
           <a:p>
             <a:r>
-              <a:rPr lang="es-ES_tradnl" smtClean="0"/>
+              <a:rPr lang="es-ES_tradnl"/>
               <a:t>Click to edit Master title style</a:t>
             </a:r>
             <a:endParaRPr lang="en-US"/>
@@ -1534,8 +1553,8 @@
         </p:nvSpPr>
         <p:spPr>
           <a:xfrm>
-            <a:off x="457200" y="1535113"/>
-            <a:ext cx="4040188" cy="639762"/>
+            <a:off x="457200" y="1151335"/>
+            <a:ext cx="4040188" cy="479822"/>
           </a:xfrm>
         </p:spPr>
         <p:txBody>
@@ -1543,45 +1562,45 @@
           <a:lstStyle>
             <a:lvl1pPr marL="0" indent="0">
               <a:buNone/>
-              <a:defRPr sz="2400" b="1"/>
+              <a:defRPr sz="1800" b="1"/>
             </a:lvl1pPr>
-            <a:lvl2pPr marL="457200" indent="0">
+            <a:lvl2pPr marL="342900" indent="0">
               <a:buNone/>
-              <a:defRPr sz="2000" b="1"/>
+              <a:defRPr sz="1500" b="1"/>
             </a:lvl2pPr>
-            <a:lvl3pPr marL="914400" indent="0">
+            <a:lvl3pPr marL="685800" indent="0">
               <a:buNone/>
-              <a:defRPr sz="1800" b="1"/>
+              <a:defRPr sz="1350" b="1"/>
             </a:lvl3pPr>
-            <a:lvl4pPr marL="1371600" indent="0">
+            <a:lvl4pPr marL="1028700" indent="0">
               <a:buNone/>
-              <a:defRPr sz="1600" b="1"/>
+              <a:defRPr sz="1200" b="1"/>
             </a:lvl4pPr>
-            <a:lvl5pPr marL="1828800" indent="0">
+            <a:lvl5pPr marL="1371600" indent="0">
               <a:buNone/>
-              <a:defRPr sz="1600" b="1"/>
+              <a:defRPr sz="1200" b="1"/>
             </a:lvl5pPr>
-            <a:lvl6pPr marL="2286000" indent="0">
+            <a:lvl6pPr marL="1714500" indent="0">
               <a:buNone/>
-              <a:defRPr sz="1600" b="1"/>
+              <a:defRPr sz="1200" b="1"/>
             </a:lvl6pPr>
-            <a:lvl7pPr marL="2743200" indent="0">
+            <a:lvl7pPr marL="2057400" indent="0">
               <a:buNone/>
-              <a:defRPr sz="1600" b="1"/>
+              <a:defRPr sz="1200" b="1"/>
             </a:lvl7pPr>
-            <a:lvl8pPr marL="3200400" indent="0">
+            <a:lvl8pPr marL="2400300" indent="0">
               <a:buNone/>
-              <a:defRPr sz="1600" b="1"/>
+              <a:defRPr sz="1200" b="1"/>
             </a:lvl8pPr>
-            <a:lvl9pPr marL="3657600" indent="0">
+            <a:lvl9pPr marL="2743200" indent="0">
               <a:buNone/>
-              <a:defRPr sz="1600" b="1"/>
+              <a:defRPr sz="1200" b="1"/>
             </a:lvl9pPr>
           </a:lstStyle>
           <a:p>
             <a:pPr lvl="0"/>
             <a:r>
-              <a:rPr lang="es-ES_tradnl" smtClean="0"/>
+              <a:rPr lang="es-ES_tradnl"/>
               <a:t>Click to edit Master text styles</a:t>
             </a:r>
           </a:p>
@@ -1599,73 +1618,73 @@
         </p:nvSpPr>
         <p:spPr>
           <a:xfrm>
-            <a:off x="457200" y="2174875"/>
-            <a:ext cx="4040188" cy="3951288"/>
+            <a:off x="457200" y="1631156"/>
+            <a:ext cx="4040188" cy="2963466"/>
           </a:xfrm>
         </p:spPr>
         <p:txBody>
           <a:bodyPr/>
           <a:lstStyle>
             <a:lvl1pPr>
-              <a:defRPr sz="2400"/>
+              <a:defRPr sz="1800"/>
             </a:lvl1pPr>
             <a:lvl2pPr>
-              <a:defRPr sz="2000"/>
+              <a:defRPr sz="1500"/>
             </a:lvl2pPr>
             <a:lvl3pPr>
-              <a:defRPr sz="1800"/>
+              <a:defRPr sz="1350"/>
             </a:lvl3pPr>
             <a:lvl4pPr>
-              <a:defRPr sz="1600"/>
+              <a:defRPr sz="1200"/>
             </a:lvl4pPr>
             <a:lvl5pPr>
-              <a:defRPr sz="1600"/>
+              <a:defRPr sz="1200"/>
             </a:lvl5pPr>
             <a:lvl6pPr>
-              <a:defRPr sz="1600"/>
+              <a:defRPr sz="1200"/>
             </a:lvl6pPr>
             <a:lvl7pPr>
-              <a:defRPr sz="1600"/>
+              <a:defRPr sz="1200"/>
             </a:lvl7pPr>
             <a:lvl8pPr>
-              <a:defRPr sz="1600"/>
+              <a:defRPr sz="1200"/>
             </a:lvl8pPr>
             <a:lvl9pPr>
-              <a:defRPr sz="1600"/>
+              <a:defRPr sz="1200"/>
             </a:lvl9pPr>
           </a:lstStyle>
           <a:p>
             <a:pPr lvl="0"/>
             <a:r>
-              <a:rPr lang="es-ES_tradnl" smtClean="0"/>
+              <a:rPr lang="es-ES_tradnl"/>
               <a:t>Click to edit Master text styles</a:t>
             </a:r>
           </a:p>
           <a:p>
             <a:pPr lvl="1"/>
             <a:r>
-              <a:rPr lang="es-ES_tradnl" smtClean="0"/>
+              <a:rPr lang="es-ES_tradnl"/>
               <a:t>Second level</a:t>
             </a:r>
           </a:p>
           <a:p>
             <a:pPr lvl="2"/>
             <a:r>
-              <a:rPr lang="es-ES_tradnl" smtClean="0"/>
+              <a:rPr lang="es-ES_tradnl"/>
               <a:t>Third level</a:t>
             </a:r>
           </a:p>
           <a:p>
             <a:pPr lvl="3"/>
             <a:r>
-              <a:rPr lang="es-ES_tradnl" smtClean="0"/>
+              <a:rPr lang="es-ES_tradnl"/>
               <a:t>Fourth level</a:t>
             </a:r>
           </a:p>
           <a:p>
             <a:pPr lvl="4"/>
             <a:r>
-              <a:rPr lang="es-ES_tradnl" smtClean="0"/>
+              <a:rPr lang="es-ES_tradnl"/>
               <a:t>Fifth level</a:t>
             </a:r>
             <a:endParaRPr lang="en-US"/>
@@ -1684,8 +1703,8 @@
         </p:nvSpPr>
         <p:spPr>
           <a:xfrm>
-            <a:off x="4645025" y="1535113"/>
-            <a:ext cx="4041775" cy="639762"/>
+            <a:off x="4645026" y="1151335"/>
+            <a:ext cx="4041775" cy="479822"/>
           </a:xfrm>
         </p:spPr>
         <p:txBody>
@@ -1693,45 +1712,45 @@
           <a:lstStyle>
             <a:lvl1pPr marL="0" indent="0">
               <a:buNone/>
-              <a:defRPr sz="2400" b="1"/>
+              <a:defRPr sz="1800" b="1"/>
             </a:lvl1pPr>
-            <a:lvl2pPr marL="457200" indent="0">
+            <a:lvl2pPr marL="342900" indent="0">
               <a:buNone/>
-              <a:defRPr sz="2000" b="1"/>
+              <a:defRPr sz="1500" b="1"/>
             </a:lvl2pPr>
-            <a:lvl3pPr marL="914400" indent="0">
+            <a:lvl3pPr marL="685800" indent="0">
               <a:buNone/>
-              <a:defRPr sz="1800" b="1"/>
+              <a:defRPr sz="1350" b="1"/>
             </a:lvl3pPr>
-            <a:lvl4pPr marL="1371600" indent="0">
+            <a:lvl4pPr marL="1028700" indent="0">
               <a:buNone/>
-              <a:defRPr sz="1600" b="1"/>
+              <a:defRPr sz="1200" b="1"/>
             </a:lvl4pPr>
-            <a:lvl5pPr marL="1828800" indent="0">
+            <a:lvl5pPr marL="1371600" indent="0">
               <a:buNone/>
-              <a:defRPr sz="1600" b="1"/>
+              <a:defRPr sz="1200" b="1"/>
             </a:lvl5pPr>
-            <a:lvl6pPr marL="2286000" indent="0">
+            <a:lvl6pPr marL="1714500" indent="0">
               <a:buNone/>
-              <a:defRPr sz="1600" b="1"/>
+              <a:defRPr sz="1200" b="1"/>
             </a:lvl6pPr>
-            <a:lvl7pPr marL="2743200" indent="0">
+            <a:lvl7pPr marL="2057400" indent="0">
               <a:buNone/>
-              <a:defRPr sz="1600" b="1"/>
+              <a:defRPr sz="1200" b="1"/>
             </a:lvl7pPr>
-            <a:lvl8pPr marL="3200400" indent="0">
+            <a:lvl8pPr marL="2400300" indent="0">
               <a:buNone/>
-              <a:defRPr sz="1600" b="1"/>
+              <a:defRPr sz="1200" b="1"/>
             </a:lvl8pPr>
-            <a:lvl9pPr marL="3657600" indent="0">
+            <a:lvl9pPr marL="2743200" indent="0">
               <a:buNone/>
-              <a:defRPr sz="1600" b="1"/>
+              <a:defRPr sz="1200" b="1"/>
             </a:lvl9pPr>
           </a:lstStyle>
           <a:p>
             <a:pPr lvl="0"/>
             <a:r>
-              <a:rPr lang="es-ES_tradnl" smtClean="0"/>
+              <a:rPr lang="es-ES_tradnl"/>
               <a:t>Click to edit Master text styles</a:t>
             </a:r>
           </a:p>
@@ -1749,73 +1768,73 @@
         </p:nvSpPr>
         <p:spPr>
           <a:xfrm>
-            <a:off x="4645025" y="2174875"/>
-            <a:ext cx="4041775" cy="3951288"/>
+            <a:off x="4645026" y="1631156"/>
+            <a:ext cx="4041775" cy="2963466"/>
           </a:xfrm>
         </p:spPr>
         <p:txBody>
           <a:bodyPr/>
           <a:lstStyle>
             <a:lvl1pPr>
-              <a:defRPr sz="2400"/>
+              <a:defRPr sz="1800"/>
             </a:lvl1pPr>
             <a:lvl2pPr>
-              <a:defRPr sz="2000"/>
+              <a:defRPr sz="1500"/>
             </a:lvl2pPr>
             <a:lvl3pPr>
-              <a:defRPr sz="1800"/>
+              <a:defRPr sz="1350"/>
             </a:lvl3pPr>
             <a:lvl4pPr>
-              <a:defRPr sz="1600"/>
+              <a:defRPr sz="1200"/>
             </a:lvl4pPr>
             <a:lvl5pPr>
-              <a:defRPr sz="1600"/>
+              <a:defRPr sz="1200"/>
             </a:lvl5pPr>
             <a:lvl6pPr>
-              <a:defRPr sz="1600"/>
+              <a:defRPr sz="1200"/>
             </a:lvl6pPr>
             <a:lvl7pPr>
-              <a:defRPr sz="1600"/>
+              <a:defRPr sz="1200"/>
             </a:lvl7pPr>
             <a:lvl8pPr>
-              <a:defRPr sz="1600"/>
+              <a:defRPr sz="1200"/>
             </a:lvl8pPr>
             <a:lvl9pPr>
-              <a:defRPr sz="1600"/>
+              <a:defRPr sz="1200"/>
             </a:lvl9pPr>
           </a:lstStyle>
           <a:p>
             <a:pPr lvl="0"/>
             <a:r>
-              <a:rPr lang="es-ES_tradnl" smtClean="0"/>
+              <a:rPr lang="es-ES_tradnl"/>
               <a:t>Click to edit Master text styles</a:t>
             </a:r>
           </a:p>
           <a:p>
             <a:pPr lvl="1"/>
             <a:r>
-              <a:rPr lang="es-ES_tradnl" smtClean="0"/>
+              <a:rPr lang="es-ES_tradnl"/>
               <a:t>Second level</a:t>
             </a:r>
           </a:p>
           <a:p>
             <a:pPr lvl="2"/>
             <a:r>
-              <a:rPr lang="es-ES_tradnl" smtClean="0"/>
+              <a:rPr lang="es-ES_tradnl"/>
               <a:t>Third level</a:t>
             </a:r>
           </a:p>
           <a:p>
             <a:pPr lvl="3"/>
             <a:r>
-              <a:rPr lang="es-ES_tradnl" smtClean="0"/>
+              <a:rPr lang="es-ES_tradnl"/>
               <a:t>Fourth level</a:t>
             </a:r>
           </a:p>
           <a:p>
             <a:pPr lvl="4"/>
             <a:r>
-              <a:rPr lang="es-ES_tradnl" smtClean="0"/>
+              <a:rPr lang="es-ES_tradnl"/>
               <a:t>Fifth level</a:t>
             </a:r>
             <a:endParaRPr lang="en-US"/>
@@ -1839,7 +1858,7 @@
           <a:p>
             <a:fld id="{72EEE1A6-C882-7040-87E5-999AB7997EFA}" type="datetimeFigureOut">
               <a:rPr lang="en-US" smtClean="0"/>
-              <a:t>7/2/14</a:t>
+              <a:t>1/28/19</a:t>
             </a:fld>
             <a:endParaRPr lang="en-US"/>
           </a:p>
@@ -1897,13 +1916,13 @@
   <p:clrMapOvr>
     <a:masterClrMapping/>
   </p:clrMapOvr>
-  <mc:AlternateContent xmlns:mc="http://schemas.openxmlformats.org/markup-compatibility/2006">
-    <mc:Choice xmlns:p14="http://schemas.microsoft.com/office/powerpoint/2010/main" Requires="p14">
+  <mc:AlternateContent xmlns:mc="http://schemas.openxmlformats.org/markup-compatibility/2006" xmlns:p14="http://schemas.microsoft.com/office/powerpoint/2010/main">
+    <mc:Choice Requires="p14">
       <p:transition spd="med" p14:dur="700">
         <p:fade/>
       </p:transition>
     </mc:Choice>
-    <mc:Fallback>
+    <mc:Fallback xmlns="">
       <p:transition xmlns:p14="http://schemas.microsoft.com/office/powerpoint/2010/main" spd="med">
         <p:fade/>
       </p:transition>
@@ -1945,7 +1964,7 @@
           <a:lstStyle/>
           <a:p>
             <a:r>
-              <a:rPr lang="es-ES_tradnl" smtClean="0"/>
+              <a:rPr lang="es-ES_tradnl"/>
               <a:t>Click to edit Master title style</a:t>
             </a:r>
             <a:endParaRPr lang="en-US"/>
@@ -1969,7 +1988,7 @@
           <a:p>
             <a:fld id="{72EEE1A6-C882-7040-87E5-999AB7997EFA}" type="datetimeFigureOut">
               <a:rPr lang="en-US" smtClean="0"/>
-              <a:t>7/2/14</a:t>
+              <a:t>1/28/19</a:t>
             </a:fld>
             <a:endParaRPr lang="en-US"/>
           </a:p>
@@ -2027,13 +2046,13 @@
   <p:clrMapOvr>
     <a:masterClrMapping/>
   </p:clrMapOvr>
-  <mc:AlternateContent xmlns:mc="http://schemas.openxmlformats.org/markup-compatibility/2006">
-    <mc:Choice xmlns:p14="http://schemas.microsoft.com/office/powerpoint/2010/main" Requires="p14">
+  <mc:AlternateContent xmlns:mc="http://schemas.openxmlformats.org/markup-compatibility/2006" xmlns:p14="http://schemas.microsoft.com/office/powerpoint/2010/main">
+    <mc:Choice Requires="p14">
       <p:transition spd="med" p14:dur="700">
         <p:fade/>
       </p:transition>
     </mc:Choice>
-    <mc:Fallback>
+    <mc:Fallback xmlns="">
       <p:transition xmlns:p14="http://schemas.microsoft.com/office/powerpoint/2010/main" spd="med">
         <p:fade/>
       </p:transition>
@@ -2076,7 +2095,7 @@
           <a:p>
             <a:fld id="{72EEE1A6-C882-7040-87E5-999AB7997EFA}" type="datetimeFigureOut">
               <a:rPr lang="en-US" smtClean="0"/>
-              <a:t>7/2/14</a:t>
+              <a:t>1/28/19</a:t>
             </a:fld>
             <a:endParaRPr lang="en-US"/>
           </a:p>
@@ -2134,13 +2153,13 @@
   <p:clrMapOvr>
     <a:masterClrMapping/>
   </p:clrMapOvr>
-  <mc:AlternateContent xmlns:mc="http://schemas.openxmlformats.org/markup-compatibility/2006">
-    <mc:Choice xmlns:p14="http://schemas.microsoft.com/office/powerpoint/2010/main" Requires="p14">
+  <mc:AlternateContent xmlns:mc="http://schemas.openxmlformats.org/markup-compatibility/2006" xmlns:p14="http://schemas.microsoft.com/office/powerpoint/2010/main">
+    <mc:Choice Requires="p14">
       <p:transition spd="med" p14:dur="700">
         <p:fade/>
       </p:transition>
     </mc:Choice>
-    <mc:Fallback>
+    <mc:Fallback xmlns="">
       <p:transition xmlns:p14="http://schemas.microsoft.com/office/powerpoint/2010/main" spd="med">
         <p:fade/>
       </p:transition>
@@ -2178,20 +2197,20 @@
         </p:nvSpPr>
         <p:spPr>
           <a:xfrm>
-            <a:off x="457200" y="273050"/>
-            <a:ext cx="3008313" cy="1162050"/>
+            <a:off x="457201" y="204787"/>
+            <a:ext cx="3008313" cy="871538"/>
           </a:xfrm>
         </p:spPr>
         <p:txBody>
           <a:bodyPr anchor="b"/>
           <a:lstStyle>
             <a:lvl1pPr algn="l">
-              <a:defRPr sz="2000" b="1"/>
+              <a:defRPr sz="1500" b="1"/>
             </a:lvl1pPr>
           </a:lstStyle>
           <a:p>
             <a:r>
-              <a:rPr lang="es-ES_tradnl" smtClean="0"/>
+              <a:rPr lang="es-ES_tradnl"/>
               <a:t>Click to edit Master title style</a:t>
             </a:r>
             <a:endParaRPr lang="en-US"/>
@@ -2210,73 +2229,73 @@
         </p:nvSpPr>
         <p:spPr>
           <a:xfrm>
-            <a:off x="3575050" y="273050"/>
-            <a:ext cx="5111750" cy="5853113"/>
+            <a:off x="3575050" y="204788"/>
+            <a:ext cx="5111750" cy="4389835"/>
           </a:xfrm>
         </p:spPr>
         <p:txBody>
           <a:bodyPr/>
           <a:lstStyle>
             <a:lvl1pPr>
-              <a:defRPr sz="3200"/>
+              <a:defRPr sz="2400"/>
             </a:lvl1pPr>
             <a:lvl2pPr>
-              <a:defRPr sz="2800"/>
+              <a:defRPr sz="2100"/>
             </a:lvl2pPr>
             <a:lvl3pPr>
-              <a:defRPr sz="2400"/>
+              <a:defRPr sz="1800"/>
             </a:lvl3pPr>
             <a:lvl4pPr>
-              <a:defRPr sz="2000"/>
+              <a:defRPr sz="1500"/>
             </a:lvl4pPr>
             <a:lvl5pPr>
-              <a:defRPr sz="2000"/>
+              <a:defRPr sz="1500"/>
             </a:lvl5pPr>
             <a:lvl6pPr>
-              <a:defRPr sz="2000"/>
+              <a:defRPr sz="1500"/>
             </a:lvl6pPr>
             <a:lvl7pPr>
-              <a:defRPr sz="2000"/>
+              <a:defRPr sz="1500"/>
             </a:lvl7pPr>
             <a:lvl8pPr>
-              <a:defRPr sz="2000"/>
+              <a:defRPr sz="1500"/>
             </a:lvl8pPr>
             <a:lvl9pPr>
-              <a:defRPr sz="2000"/>
+              <a:defRPr sz="1500"/>
             </a:lvl9pPr>
           </a:lstStyle>
           <a:p>
             <a:pPr lvl="0"/>
             <a:r>
-              <a:rPr lang="es-ES_tradnl" smtClean="0"/>
+              <a:rPr lang="es-ES_tradnl"/>
               <a:t>Click to edit Master text styles</a:t>
             </a:r>
           </a:p>
           <a:p>
             <a:pPr lvl="1"/>
             <a:r>
-              <a:rPr lang="es-ES_tradnl" smtClean="0"/>
+              <a:rPr lang="es-ES_tradnl"/>
               <a:t>Second level</a:t>
             </a:r>
           </a:p>
           <a:p>
             <a:pPr lvl="2"/>
             <a:r>
-              <a:rPr lang="es-ES_tradnl" smtClean="0"/>
+              <a:rPr lang="es-ES_tradnl"/>
               <a:t>Third level</a:t>
             </a:r>
           </a:p>
           <a:p>
             <a:pPr lvl="3"/>
             <a:r>
-              <a:rPr lang="es-ES_tradnl" smtClean="0"/>
+              <a:rPr lang="es-ES_tradnl"/>
               <a:t>Fourth level</a:t>
             </a:r>
           </a:p>
           <a:p>
             <a:pPr lvl="4"/>
             <a:r>
-              <a:rPr lang="es-ES_tradnl" smtClean="0"/>
+              <a:rPr lang="es-ES_tradnl"/>
               <a:t>Fifth level</a:t>
             </a:r>
             <a:endParaRPr lang="en-US"/>
@@ -2295,8 +2314,8 @@
         </p:nvSpPr>
         <p:spPr>
           <a:xfrm>
-            <a:off x="457200" y="1435100"/>
-            <a:ext cx="3008313" cy="4691063"/>
+            <a:off x="457201" y="1076326"/>
+            <a:ext cx="3008313" cy="3518297"/>
           </a:xfrm>
         </p:spPr>
         <p:txBody>
@@ -2304,45 +2323,45 @@
           <a:lstStyle>
             <a:lvl1pPr marL="0" indent="0">
               <a:buNone/>
-              <a:defRPr sz="1400"/>
+              <a:defRPr sz="1050"/>
             </a:lvl1pPr>
-            <a:lvl2pPr marL="457200" indent="0">
-              <a:buNone/>
-              <a:defRPr sz="1200"/>
-            </a:lvl2pPr>
-            <a:lvl3pPr marL="914400" indent="0">
-              <a:buNone/>
-              <a:defRPr sz="1000"/>
-            </a:lvl3pPr>
-            <a:lvl4pPr marL="1371600" indent="0">
+            <a:lvl2pPr marL="342900" indent="0">
               <a:buNone/>
               <a:defRPr sz="900"/>
+            </a:lvl2pPr>
+            <a:lvl3pPr marL="685800" indent="0">
+              <a:buNone/>
+              <a:defRPr sz="750"/>
+            </a:lvl3pPr>
+            <a:lvl4pPr marL="1028700" indent="0">
+              <a:buNone/>
+              <a:defRPr sz="675"/>
             </a:lvl4pPr>
-            <a:lvl5pPr marL="1828800" indent="0">
+            <a:lvl5pPr marL="1371600" indent="0">
               <a:buNone/>
-              <a:defRPr sz="900"/>
+              <a:defRPr sz="675"/>
             </a:lvl5pPr>
-            <a:lvl6pPr marL="2286000" indent="0">
+            <a:lvl6pPr marL="1714500" indent="0">
               <a:buNone/>
-              <a:defRPr sz="900"/>
+              <a:defRPr sz="675"/>
             </a:lvl6pPr>
-            <a:lvl7pPr marL="2743200" indent="0">
+            <a:lvl7pPr marL="2057400" indent="0">
               <a:buNone/>
-              <a:defRPr sz="900"/>
+              <a:defRPr sz="675"/>
             </a:lvl7pPr>
-            <a:lvl8pPr marL="3200400" indent="0">
+            <a:lvl8pPr marL="2400300" indent="0">
               <a:buNone/>
-              <a:defRPr sz="900"/>
+              <a:defRPr sz="675"/>
             </a:lvl8pPr>
-            <a:lvl9pPr marL="3657600" indent="0">
+            <a:lvl9pPr marL="2743200" indent="0">
               <a:buNone/>
-              <a:defRPr sz="900"/>
+              <a:defRPr sz="675"/>
             </a:lvl9pPr>
           </a:lstStyle>
           <a:p>
             <a:pPr lvl="0"/>
             <a:r>
-              <a:rPr lang="es-ES_tradnl" smtClean="0"/>
+              <a:rPr lang="es-ES_tradnl"/>
               <a:t>Click to edit Master text styles</a:t>
             </a:r>
           </a:p>
@@ -2365,7 +2384,7 @@
           <a:p>
             <a:fld id="{72EEE1A6-C882-7040-87E5-999AB7997EFA}" type="datetimeFigureOut">
               <a:rPr lang="en-US" smtClean="0"/>
-              <a:t>7/2/14</a:t>
+              <a:t>1/28/19</a:t>
             </a:fld>
             <a:endParaRPr lang="en-US"/>
           </a:p>
@@ -2423,13 +2442,13 @@
   <p:clrMapOvr>
     <a:masterClrMapping/>
   </p:clrMapOvr>
-  <mc:AlternateContent xmlns:mc="http://schemas.openxmlformats.org/markup-compatibility/2006">
-    <mc:Choice xmlns:p14="http://schemas.microsoft.com/office/powerpoint/2010/main" Requires="p14">
+  <mc:AlternateContent xmlns:mc="http://schemas.openxmlformats.org/markup-compatibility/2006" xmlns:p14="http://schemas.microsoft.com/office/powerpoint/2010/main">
+    <mc:Choice Requires="p14">
       <p:transition spd="med" p14:dur="700">
         <p:fade/>
       </p:transition>
     </mc:Choice>
-    <mc:Fallback>
+    <mc:Fallback xmlns="">
       <p:transition xmlns:p14="http://schemas.microsoft.com/office/powerpoint/2010/main" spd="med">
         <p:fade/>
       </p:transition>
@@ -2467,20 +2486,20 @@
         </p:nvSpPr>
         <p:spPr>
           <a:xfrm>
-            <a:off x="1792288" y="4800600"/>
-            <a:ext cx="5486400" cy="566738"/>
+            <a:off x="1792288" y="3600450"/>
+            <a:ext cx="5486400" cy="425054"/>
           </a:xfrm>
         </p:spPr>
         <p:txBody>
           <a:bodyPr anchor="b"/>
           <a:lstStyle>
             <a:lvl1pPr algn="l">
-              <a:defRPr sz="2000" b="1"/>
+              <a:defRPr sz="1500" b="1"/>
             </a:lvl1pPr>
           </a:lstStyle>
           <a:p>
             <a:r>
-              <a:rPr lang="es-ES_tradnl" smtClean="0"/>
+              <a:rPr lang="es-ES_tradnl"/>
               <a:t>Click to edit Master title style</a:t>
             </a:r>
             <a:endParaRPr lang="en-US"/>
@@ -2499,8 +2518,8 @@
         </p:nvSpPr>
         <p:spPr>
           <a:xfrm>
-            <a:off x="1792288" y="612775"/>
-            <a:ext cx="5486400" cy="4114800"/>
+            <a:off x="1792288" y="459581"/>
+            <a:ext cx="5486400" cy="3086100"/>
           </a:xfrm>
         </p:spPr>
         <p:txBody>
@@ -2508,39 +2527,39 @@
           <a:lstStyle>
             <a:lvl1pPr marL="0" indent="0">
               <a:buNone/>
-              <a:defRPr sz="3200"/>
+              <a:defRPr sz="2400"/>
             </a:lvl1pPr>
-            <a:lvl2pPr marL="457200" indent="0">
+            <a:lvl2pPr marL="342900" indent="0">
               <a:buNone/>
-              <a:defRPr sz="2800"/>
+              <a:defRPr sz="2100"/>
             </a:lvl2pPr>
-            <a:lvl3pPr marL="914400" indent="0">
+            <a:lvl3pPr marL="685800" indent="0">
               <a:buNone/>
-              <a:defRPr sz="2400"/>
+              <a:defRPr sz="1800"/>
             </a:lvl3pPr>
-            <a:lvl4pPr marL="1371600" indent="0">
+            <a:lvl4pPr marL="1028700" indent="0">
               <a:buNone/>
-              <a:defRPr sz="2000"/>
+              <a:defRPr sz="1500"/>
             </a:lvl4pPr>
-            <a:lvl5pPr marL="1828800" indent="0">
+            <a:lvl5pPr marL="1371600" indent="0">
               <a:buNone/>
-              <a:defRPr sz="2000"/>
+              <a:defRPr sz="1500"/>
             </a:lvl5pPr>
-            <a:lvl6pPr marL="2286000" indent="0">
+            <a:lvl6pPr marL="1714500" indent="0">
               <a:buNone/>
-              <a:defRPr sz="2000"/>
+              <a:defRPr sz="1500"/>
             </a:lvl6pPr>
-            <a:lvl7pPr marL="2743200" indent="0">
+            <a:lvl7pPr marL="2057400" indent="0">
               <a:buNone/>
-              <a:defRPr sz="2000"/>
+              <a:defRPr sz="1500"/>
             </a:lvl7pPr>
-            <a:lvl8pPr marL="3200400" indent="0">
+            <a:lvl8pPr marL="2400300" indent="0">
               <a:buNone/>
-              <a:defRPr sz="2000"/>
+              <a:defRPr sz="1500"/>
             </a:lvl8pPr>
-            <a:lvl9pPr marL="3657600" indent="0">
+            <a:lvl9pPr marL="2743200" indent="0">
               <a:buNone/>
-              <a:defRPr sz="2000"/>
+              <a:defRPr sz="1500"/>
             </a:lvl9pPr>
           </a:lstStyle>
           <a:p>
@@ -2560,8 +2579,8 @@
         </p:nvSpPr>
         <p:spPr>
           <a:xfrm>
-            <a:off x="1792288" y="5367338"/>
-            <a:ext cx="5486400" cy="804862"/>
+            <a:off x="1792288" y="4025503"/>
+            <a:ext cx="5486400" cy="603647"/>
           </a:xfrm>
         </p:spPr>
         <p:txBody>
@@ -2569,45 +2588,45 @@
           <a:lstStyle>
             <a:lvl1pPr marL="0" indent="0">
               <a:buNone/>
-              <a:defRPr sz="1400"/>
+              <a:defRPr sz="1050"/>
             </a:lvl1pPr>
-            <a:lvl2pPr marL="457200" indent="0">
-              <a:buNone/>
-              <a:defRPr sz="1200"/>
-            </a:lvl2pPr>
-            <a:lvl3pPr marL="914400" indent="0">
-              <a:buNone/>
-              <a:defRPr sz="1000"/>
-            </a:lvl3pPr>
-            <a:lvl4pPr marL="1371600" indent="0">
+            <a:lvl2pPr marL="342900" indent="0">
               <a:buNone/>
               <a:defRPr sz="900"/>
+            </a:lvl2pPr>
+            <a:lvl3pPr marL="685800" indent="0">
+              <a:buNone/>
+              <a:defRPr sz="750"/>
+            </a:lvl3pPr>
+            <a:lvl4pPr marL="1028700" indent="0">
+              <a:buNone/>
+              <a:defRPr sz="675"/>
             </a:lvl4pPr>
-            <a:lvl5pPr marL="1828800" indent="0">
+            <a:lvl5pPr marL="1371600" indent="0">
               <a:buNone/>
-              <a:defRPr sz="900"/>
+              <a:defRPr sz="675"/>
             </a:lvl5pPr>
-            <a:lvl6pPr marL="2286000" indent="0">
+            <a:lvl6pPr marL="1714500" indent="0">
               <a:buNone/>
-              <a:defRPr sz="900"/>
+              <a:defRPr sz="675"/>
             </a:lvl6pPr>
-            <a:lvl7pPr marL="2743200" indent="0">
+            <a:lvl7pPr marL="2057400" indent="0">
               <a:buNone/>
-              <a:defRPr sz="900"/>
+              <a:defRPr sz="675"/>
             </a:lvl7pPr>
-            <a:lvl8pPr marL="3200400" indent="0">
+            <a:lvl8pPr marL="2400300" indent="0">
               <a:buNone/>
-              <a:defRPr sz="900"/>
+              <a:defRPr sz="675"/>
             </a:lvl8pPr>
-            <a:lvl9pPr marL="3657600" indent="0">
+            <a:lvl9pPr marL="2743200" indent="0">
               <a:buNone/>
-              <a:defRPr sz="900"/>
+              <a:defRPr sz="675"/>
             </a:lvl9pPr>
           </a:lstStyle>
           <a:p>
             <a:pPr lvl="0"/>
             <a:r>
-              <a:rPr lang="es-ES_tradnl" smtClean="0"/>
+              <a:rPr lang="es-ES_tradnl"/>
               <a:t>Click to edit Master text styles</a:t>
             </a:r>
           </a:p>
@@ -2630,7 +2649,7 @@
           <a:p>
             <a:fld id="{72EEE1A6-C882-7040-87E5-999AB7997EFA}" type="datetimeFigureOut">
               <a:rPr lang="en-US" smtClean="0"/>
-              <a:t>7/2/14</a:t>
+              <a:t>1/28/19</a:t>
             </a:fld>
             <a:endParaRPr lang="en-US"/>
           </a:p>
@@ -2688,13 +2707,13 @@
   <p:clrMapOvr>
     <a:masterClrMapping/>
   </p:clrMapOvr>
-  <mc:AlternateContent xmlns:mc="http://schemas.openxmlformats.org/markup-compatibility/2006">
-    <mc:Choice xmlns:p14="http://schemas.microsoft.com/office/powerpoint/2010/main" Requires="p14">
+  <mc:AlternateContent xmlns:mc="http://schemas.openxmlformats.org/markup-compatibility/2006" xmlns:p14="http://schemas.microsoft.com/office/powerpoint/2010/main">
+    <mc:Choice Requires="p14">
       <p:transition spd="med" p14:dur="700">
         <p:fade/>
       </p:transition>
     </mc:Choice>
-    <mc:Fallback>
+    <mc:Fallback xmlns="">
       <p:transition xmlns:p14="http://schemas.microsoft.com/office/powerpoint/2010/main" spd="med">
         <p:fade/>
       </p:transition>
@@ -2737,8 +2756,8 @@
         </p:nvSpPr>
         <p:spPr>
           <a:xfrm>
-            <a:off x="457200" y="274638"/>
-            <a:ext cx="8229600" cy="1143000"/>
+            <a:off x="457200" y="205979"/>
+            <a:ext cx="8229600" cy="857250"/>
           </a:xfrm>
           <a:prstGeom prst="rect">
             <a:avLst/>
@@ -2751,7 +2770,7 @@
           <a:lstStyle/>
           <a:p>
             <a:r>
-              <a:rPr lang="es-ES_tradnl" smtClean="0"/>
+              <a:rPr lang="es-ES_tradnl"/>
               <a:t>Click to edit Master title style</a:t>
             </a:r>
             <a:endParaRPr lang="en-US"/>
@@ -2770,8 +2789,8 @@
         </p:nvSpPr>
         <p:spPr>
           <a:xfrm>
-            <a:off x="457200" y="1600200"/>
-            <a:ext cx="8229600" cy="4525963"/>
+            <a:off x="457200" y="1200151"/>
+            <a:ext cx="8229600" cy="3394472"/>
           </a:xfrm>
           <a:prstGeom prst="rect">
             <a:avLst/>
@@ -2785,35 +2804,35 @@
           <a:p>
             <a:pPr lvl="0"/>
             <a:r>
-              <a:rPr lang="es-ES_tradnl" smtClean="0"/>
+              <a:rPr lang="es-ES_tradnl"/>
               <a:t>Click to edit Master text styles</a:t>
             </a:r>
           </a:p>
           <a:p>
             <a:pPr lvl="1"/>
             <a:r>
-              <a:rPr lang="es-ES_tradnl" smtClean="0"/>
+              <a:rPr lang="es-ES_tradnl"/>
               <a:t>Second level</a:t>
             </a:r>
           </a:p>
           <a:p>
             <a:pPr lvl="2"/>
             <a:r>
-              <a:rPr lang="es-ES_tradnl" smtClean="0"/>
+              <a:rPr lang="es-ES_tradnl"/>
               <a:t>Third level</a:t>
             </a:r>
           </a:p>
           <a:p>
             <a:pPr lvl="3"/>
             <a:r>
-              <a:rPr lang="es-ES_tradnl" smtClean="0"/>
+              <a:rPr lang="es-ES_tradnl"/>
               <a:t>Fourth level</a:t>
             </a:r>
           </a:p>
           <a:p>
             <a:pPr lvl="4"/>
             <a:r>
-              <a:rPr lang="es-ES_tradnl" smtClean="0"/>
+              <a:rPr lang="es-ES_tradnl"/>
               <a:t>Fifth level</a:t>
             </a:r>
             <a:endParaRPr lang="en-US"/>
@@ -2832,8 +2851,8 @@
         </p:nvSpPr>
         <p:spPr>
           <a:xfrm>
-            <a:off x="457200" y="6356350"/>
-            <a:ext cx="2133600" cy="365125"/>
+            <a:off x="457200" y="4767263"/>
+            <a:ext cx="2133600" cy="273844"/>
           </a:xfrm>
           <a:prstGeom prst="rect">
             <a:avLst/>
@@ -2843,7 +2862,7 @@
           <a:bodyPr vert="horz" lIns="91440" tIns="45720" rIns="91440" bIns="45720" rtlCol="0" anchor="ctr"/>
           <a:lstStyle>
             <a:lvl1pPr algn="l">
-              <a:defRPr sz="1200">
+              <a:defRPr sz="900">
                 <a:solidFill>
                   <a:schemeClr val="tx1">
                     <a:tint val="75000"/>
@@ -2855,7 +2874,7 @@
           <a:p>
             <a:fld id="{72EEE1A6-C882-7040-87E5-999AB7997EFA}" type="datetimeFigureOut">
               <a:rPr lang="en-US" smtClean="0"/>
-              <a:t>7/2/14</a:t>
+              <a:t>1/28/19</a:t>
             </a:fld>
             <a:endParaRPr lang="en-US"/>
           </a:p>
@@ -2873,8 +2892,8 @@
         </p:nvSpPr>
         <p:spPr>
           <a:xfrm>
-            <a:off x="3124200" y="6356350"/>
-            <a:ext cx="2895600" cy="365125"/>
+            <a:off x="3124200" y="4767263"/>
+            <a:ext cx="2895600" cy="273844"/>
           </a:xfrm>
           <a:prstGeom prst="rect">
             <a:avLst/>
@@ -2884,7 +2903,7 @@
           <a:bodyPr vert="horz" lIns="91440" tIns="45720" rIns="91440" bIns="45720" rtlCol="0" anchor="ctr"/>
           <a:lstStyle>
             <a:lvl1pPr algn="ctr">
-              <a:defRPr sz="1200">
+              <a:defRPr sz="900">
                 <a:solidFill>
                   <a:schemeClr val="tx1">
                     <a:tint val="75000"/>
@@ -2910,8 +2929,8 @@
         </p:nvSpPr>
         <p:spPr>
           <a:xfrm>
-            <a:off x="6553200" y="6356350"/>
-            <a:ext cx="2133600" cy="365125"/>
+            <a:off x="6553200" y="4767263"/>
+            <a:ext cx="2133600" cy="273844"/>
           </a:xfrm>
           <a:prstGeom prst="rect">
             <a:avLst/>
@@ -2921,7 +2940,7 @@
           <a:bodyPr vert="horz" lIns="91440" tIns="45720" rIns="91440" bIns="45720" rtlCol="0" anchor="ctr"/>
           <a:lstStyle>
             <a:lvl1pPr algn="r">
-              <a:defRPr sz="1200">
+              <a:defRPr sz="900">
                 <a:solidFill>
                   <a:schemeClr val="tx1">
                     <a:tint val="75000"/>
@@ -2960,13 +2979,13 @@
     <p:sldLayoutId id="2147483658" r:id="rId10"/>
     <p:sldLayoutId id="2147483659" r:id="rId11"/>
   </p:sldLayoutIdLst>
-  <mc:AlternateContent xmlns:mc="http://schemas.openxmlformats.org/markup-compatibility/2006">
-    <mc:Choice xmlns:p14="http://schemas.microsoft.com/office/powerpoint/2010/main" Requires="p14">
+  <mc:AlternateContent xmlns:mc="http://schemas.openxmlformats.org/markup-compatibility/2006" xmlns:p14="http://schemas.microsoft.com/office/powerpoint/2010/main">
+    <mc:Choice Requires="p14">
       <p:transition spd="med" p14:dur="700">
         <p:fade/>
       </p:transition>
     </mc:Choice>
-    <mc:Fallback>
+    <mc:Fallback xmlns="">
       <p:transition xmlns:p14="http://schemas.microsoft.com/office/powerpoint/2010/main" spd="med">
         <p:fade/>
       </p:transition>
@@ -2974,12 +2993,12 @@
   </mc:AlternateContent>
   <p:txStyles>
     <p:titleStyle>
-      <a:lvl1pPr algn="ctr" defTabSz="457200" rtl="0" eaLnBrk="1" latinLnBrk="0" hangingPunct="1">
+      <a:lvl1pPr algn="ctr" defTabSz="342900" rtl="0" eaLnBrk="1" latinLnBrk="0" hangingPunct="1">
         <a:spcBef>
           <a:spcPct val="0"/>
         </a:spcBef>
         <a:buNone/>
-        <a:defRPr sz="4400" kern="1200">
+        <a:defRPr sz="3300" kern="1200">
           <a:solidFill>
             <a:schemeClr val="tx1"/>
           </a:solidFill>
@@ -2990,37 +3009,7 @@
       </a:lvl1pPr>
     </p:titleStyle>
     <p:bodyStyle>
-      <a:lvl1pPr marL="342900" indent="-342900" algn="l" defTabSz="457200" rtl="0" eaLnBrk="1" latinLnBrk="0" hangingPunct="1">
-        <a:spcBef>
-          <a:spcPct val="20000"/>
-        </a:spcBef>
-        <a:buFont typeface="Arial"/>
-        <a:buChar char="•"/>
-        <a:defRPr sz="3200" kern="1200">
-          <a:solidFill>
-            <a:schemeClr val="tx1"/>
-          </a:solidFill>
-          <a:latin typeface="+mn-lt"/>
-          <a:ea typeface="+mn-ea"/>
-          <a:cs typeface="+mn-cs"/>
-        </a:defRPr>
-      </a:lvl1pPr>
-      <a:lvl2pPr marL="742950" indent="-285750" algn="l" defTabSz="457200" rtl="0" eaLnBrk="1" latinLnBrk="0" hangingPunct="1">
-        <a:spcBef>
-          <a:spcPct val="20000"/>
-        </a:spcBef>
-        <a:buFont typeface="Arial"/>
-        <a:buChar char="–"/>
-        <a:defRPr sz="2800" kern="1200">
-          <a:solidFill>
-            <a:schemeClr val="tx1"/>
-          </a:solidFill>
-          <a:latin typeface="+mn-lt"/>
-          <a:ea typeface="+mn-ea"/>
-          <a:cs typeface="+mn-cs"/>
-        </a:defRPr>
-      </a:lvl2pPr>
-      <a:lvl3pPr marL="1143000" indent="-228600" algn="l" defTabSz="457200" rtl="0" eaLnBrk="1" latinLnBrk="0" hangingPunct="1">
+      <a:lvl1pPr marL="257175" indent="-257175" algn="l" defTabSz="342900" rtl="0" eaLnBrk="1" latinLnBrk="0" hangingPunct="1">
         <a:spcBef>
           <a:spcPct val="20000"/>
         </a:spcBef>
@@ -3034,14 +3023,44 @@
           <a:ea typeface="+mn-ea"/>
           <a:cs typeface="+mn-cs"/>
         </a:defRPr>
-      </a:lvl3pPr>
-      <a:lvl4pPr marL="1600200" indent="-228600" algn="l" defTabSz="457200" rtl="0" eaLnBrk="1" latinLnBrk="0" hangingPunct="1">
+      </a:lvl1pPr>
+      <a:lvl2pPr marL="557213" indent="-214313" algn="l" defTabSz="342900" rtl="0" eaLnBrk="1" latinLnBrk="0" hangingPunct="1">
         <a:spcBef>
           <a:spcPct val="20000"/>
         </a:spcBef>
         <a:buFont typeface="Arial"/>
         <a:buChar char="–"/>
-        <a:defRPr sz="2000" kern="1200">
+        <a:defRPr sz="2100" kern="1200">
+          <a:solidFill>
+            <a:schemeClr val="tx1"/>
+          </a:solidFill>
+          <a:latin typeface="+mn-lt"/>
+          <a:ea typeface="+mn-ea"/>
+          <a:cs typeface="+mn-cs"/>
+        </a:defRPr>
+      </a:lvl2pPr>
+      <a:lvl3pPr marL="857250" indent="-171450" algn="l" defTabSz="342900" rtl="0" eaLnBrk="1" latinLnBrk="0" hangingPunct="1">
+        <a:spcBef>
+          <a:spcPct val="20000"/>
+        </a:spcBef>
+        <a:buFont typeface="Arial"/>
+        <a:buChar char="•"/>
+        <a:defRPr sz="1800" kern="1200">
+          <a:solidFill>
+            <a:schemeClr val="tx1"/>
+          </a:solidFill>
+          <a:latin typeface="+mn-lt"/>
+          <a:ea typeface="+mn-ea"/>
+          <a:cs typeface="+mn-cs"/>
+        </a:defRPr>
+      </a:lvl3pPr>
+      <a:lvl4pPr marL="1200150" indent="-171450" algn="l" defTabSz="342900" rtl="0" eaLnBrk="1" latinLnBrk="0" hangingPunct="1">
+        <a:spcBef>
+          <a:spcPct val="20000"/>
+        </a:spcBef>
+        <a:buFont typeface="Arial"/>
+        <a:buChar char="–"/>
+        <a:defRPr sz="1500" kern="1200">
           <a:solidFill>
             <a:schemeClr val="tx1"/>
           </a:solidFill>
@@ -3050,13 +3069,13 @@
           <a:cs typeface="+mn-cs"/>
         </a:defRPr>
       </a:lvl4pPr>
-      <a:lvl5pPr marL="2057400" indent="-228600" algn="l" defTabSz="457200" rtl="0" eaLnBrk="1" latinLnBrk="0" hangingPunct="1">
+      <a:lvl5pPr marL="1543050" indent="-171450" algn="l" defTabSz="342900" rtl="0" eaLnBrk="1" latinLnBrk="0" hangingPunct="1">
         <a:spcBef>
           <a:spcPct val="20000"/>
         </a:spcBef>
         <a:buFont typeface="Arial"/>
         <a:buChar char="»"/>
-        <a:defRPr sz="2000" kern="1200">
+        <a:defRPr sz="1500" kern="1200">
           <a:solidFill>
             <a:schemeClr val="tx1"/>
           </a:solidFill>
@@ -3065,13 +3084,13 @@
           <a:cs typeface="+mn-cs"/>
         </a:defRPr>
       </a:lvl5pPr>
-      <a:lvl6pPr marL="2514600" indent="-228600" algn="l" defTabSz="457200" rtl="0" eaLnBrk="1" latinLnBrk="0" hangingPunct="1">
+      <a:lvl6pPr marL="1885950" indent="-171450" algn="l" defTabSz="342900" rtl="0" eaLnBrk="1" latinLnBrk="0" hangingPunct="1">
         <a:spcBef>
           <a:spcPct val="20000"/>
         </a:spcBef>
         <a:buFont typeface="Arial"/>
         <a:buChar char="•"/>
-        <a:defRPr sz="2000" kern="1200">
+        <a:defRPr sz="1500" kern="1200">
           <a:solidFill>
             <a:schemeClr val="tx1"/>
           </a:solidFill>
@@ -3080,13 +3099,13 @@
           <a:cs typeface="+mn-cs"/>
         </a:defRPr>
       </a:lvl6pPr>
-      <a:lvl7pPr marL="2971800" indent="-228600" algn="l" defTabSz="457200" rtl="0" eaLnBrk="1" latinLnBrk="0" hangingPunct="1">
+      <a:lvl7pPr marL="2228850" indent="-171450" algn="l" defTabSz="342900" rtl="0" eaLnBrk="1" latinLnBrk="0" hangingPunct="1">
         <a:spcBef>
           <a:spcPct val="20000"/>
         </a:spcBef>
         <a:buFont typeface="Arial"/>
         <a:buChar char="•"/>
-        <a:defRPr sz="2000" kern="1200">
+        <a:defRPr sz="1500" kern="1200">
           <a:solidFill>
             <a:schemeClr val="tx1"/>
           </a:solidFill>
@@ -3095,13 +3114,13 @@
           <a:cs typeface="+mn-cs"/>
         </a:defRPr>
       </a:lvl7pPr>
-      <a:lvl8pPr marL="3429000" indent="-228600" algn="l" defTabSz="457200" rtl="0" eaLnBrk="1" latinLnBrk="0" hangingPunct="1">
+      <a:lvl8pPr marL="2571750" indent="-171450" algn="l" defTabSz="342900" rtl="0" eaLnBrk="1" latinLnBrk="0" hangingPunct="1">
         <a:spcBef>
           <a:spcPct val="20000"/>
         </a:spcBef>
         <a:buFont typeface="Arial"/>
         <a:buChar char="•"/>
-        <a:defRPr sz="2000" kern="1200">
+        <a:defRPr sz="1500" kern="1200">
           <a:solidFill>
             <a:schemeClr val="tx1"/>
           </a:solidFill>
@@ -3110,13 +3129,13 @@
           <a:cs typeface="+mn-cs"/>
         </a:defRPr>
       </a:lvl8pPr>
-      <a:lvl9pPr marL="3886200" indent="-228600" algn="l" defTabSz="457200" rtl="0" eaLnBrk="1" latinLnBrk="0" hangingPunct="1">
+      <a:lvl9pPr marL="2914650" indent="-171450" algn="l" defTabSz="342900" rtl="0" eaLnBrk="1" latinLnBrk="0" hangingPunct="1">
         <a:spcBef>
           <a:spcPct val="20000"/>
         </a:spcBef>
         <a:buFont typeface="Arial"/>
         <a:buChar char="•"/>
-        <a:defRPr sz="2000" kern="1200">
+        <a:defRPr sz="1500" kern="1200">
           <a:solidFill>
             <a:schemeClr val="tx1"/>
           </a:solidFill>
@@ -3130,8 +3149,8 @@
       <a:defPPr>
         <a:defRPr lang="en-US"/>
       </a:defPPr>
-      <a:lvl1pPr marL="0" algn="l" defTabSz="457200" rtl="0" eaLnBrk="1" latinLnBrk="0" hangingPunct="1">
-        <a:defRPr sz="1800" kern="1200">
+      <a:lvl1pPr marL="0" algn="l" defTabSz="342900" rtl="0" eaLnBrk="1" latinLnBrk="0" hangingPunct="1">
+        <a:defRPr sz="1350" kern="1200">
           <a:solidFill>
             <a:schemeClr val="tx1"/>
           </a:solidFill>
@@ -3140,8 +3159,8 @@
           <a:cs typeface="+mn-cs"/>
         </a:defRPr>
       </a:lvl1pPr>
-      <a:lvl2pPr marL="457200" algn="l" defTabSz="457200" rtl="0" eaLnBrk="1" latinLnBrk="0" hangingPunct="1">
-        <a:defRPr sz="1800" kern="1200">
+      <a:lvl2pPr marL="342900" algn="l" defTabSz="342900" rtl="0" eaLnBrk="1" latinLnBrk="0" hangingPunct="1">
+        <a:defRPr sz="1350" kern="1200">
           <a:solidFill>
             <a:schemeClr val="tx1"/>
           </a:solidFill>
@@ -3150,8 +3169,8 @@
           <a:cs typeface="+mn-cs"/>
         </a:defRPr>
       </a:lvl2pPr>
-      <a:lvl3pPr marL="914400" algn="l" defTabSz="457200" rtl="0" eaLnBrk="1" latinLnBrk="0" hangingPunct="1">
-        <a:defRPr sz="1800" kern="1200">
+      <a:lvl3pPr marL="685800" algn="l" defTabSz="342900" rtl="0" eaLnBrk="1" latinLnBrk="0" hangingPunct="1">
+        <a:defRPr sz="1350" kern="1200">
           <a:solidFill>
             <a:schemeClr val="tx1"/>
           </a:solidFill>
@@ -3160,8 +3179,8 @@
           <a:cs typeface="+mn-cs"/>
         </a:defRPr>
       </a:lvl3pPr>
-      <a:lvl4pPr marL="1371600" algn="l" defTabSz="457200" rtl="0" eaLnBrk="1" latinLnBrk="0" hangingPunct="1">
-        <a:defRPr sz="1800" kern="1200">
+      <a:lvl4pPr marL="1028700" algn="l" defTabSz="342900" rtl="0" eaLnBrk="1" latinLnBrk="0" hangingPunct="1">
+        <a:defRPr sz="1350" kern="1200">
           <a:solidFill>
             <a:schemeClr val="tx1"/>
           </a:solidFill>
@@ -3170,8 +3189,8 @@
           <a:cs typeface="+mn-cs"/>
         </a:defRPr>
       </a:lvl4pPr>
-      <a:lvl5pPr marL="1828800" algn="l" defTabSz="457200" rtl="0" eaLnBrk="1" latinLnBrk="0" hangingPunct="1">
-        <a:defRPr sz="1800" kern="1200">
+      <a:lvl5pPr marL="1371600" algn="l" defTabSz="342900" rtl="0" eaLnBrk="1" latinLnBrk="0" hangingPunct="1">
+        <a:defRPr sz="1350" kern="1200">
           <a:solidFill>
             <a:schemeClr val="tx1"/>
           </a:solidFill>
@@ -3180,8 +3199,8 @@
           <a:cs typeface="+mn-cs"/>
         </a:defRPr>
       </a:lvl5pPr>
-      <a:lvl6pPr marL="2286000" algn="l" defTabSz="457200" rtl="0" eaLnBrk="1" latinLnBrk="0" hangingPunct="1">
-        <a:defRPr sz="1800" kern="1200">
+      <a:lvl6pPr marL="1714500" algn="l" defTabSz="342900" rtl="0" eaLnBrk="1" latinLnBrk="0" hangingPunct="1">
+        <a:defRPr sz="1350" kern="1200">
           <a:solidFill>
             <a:schemeClr val="tx1"/>
           </a:solidFill>
@@ -3190,8 +3209,8 @@
           <a:cs typeface="+mn-cs"/>
         </a:defRPr>
       </a:lvl6pPr>
-      <a:lvl7pPr marL="2743200" algn="l" defTabSz="457200" rtl="0" eaLnBrk="1" latinLnBrk="0" hangingPunct="1">
-        <a:defRPr sz="1800" kern="1200">
+      <a:lvl7pPr marL="2057400" algn="l" defTabSz="342900" rtl="0" eaLnBrk="1" latinLnBrk="0" hangingPunct="1">
+        <a:defRPr sz="1350" kern="1200">
           <a:solidFill>
             <a:schemeClr val="tx1"/>
           </a:solidFill>
@@ -3200,8 +3219,8 @@
           <a:cs typeface="+mn-cs"/>
         </a:defRPr>
       </a:lvl7pPr>
-      <a:lvl8pPr marL="3200400" algn="l" defTabSz="457200" rtl="0" eaLnBrk="1" latinLnBrk="0" hangingPunct="1">
-        <a:defRPr sz="1800" kern="1200">
+      <a:lvl8pPr marL="2400300" algn="l" defTabSz="342900" rtl="0" eaLnBrk="1" latinLnBrk="0" hangingPunct="1">
+        <a:defRPr sz="1350" kern="1200">
           <a:solidFill>
             <a:schemeClr val="tx1"/>
           </a:solidFill>
@@ -3210,8 +3229,8 @@
           <a:cs typeface="+mn-cs"/>
         </a:defRPr>
       </a:lvl8pPr>
-      <a:lvl9pPr marL="3657600" algn="l" defTabSz="457200" rtl="0" eaLnBrk="1" latinLnBrk="0" hangingPunct="1">
-        <a:defRPr sz="1800" kern="1200">
+      <a:lvl9pPr marL="2743200" algn="l" defTabSz="342900" rtl="0" eaLnBrk="1" latinLnBrk="0" hangingPunct="1">
+        <a:defRPr sz="1350" kern="1200">
           <a:solidFill>
             <a:schemeClr val="tx1"/>
           </a:solidFill>
@@ -3244,12 +3263,18 @@
       </p:grpSpPr>
       <p:sp>
         <p:nvSpPr>
-          <p:cNvPr id="4" name="Title 3"/>
-          <p:cNvSpPr>
-            <a:spLocks noGrp="1"/>
-          </p:cNvSpPr>
-          <p:nvPr>
-            <p:ph type="title"/>
+          <p:cNvPr id="4" name="Title 3">
+            <a:extLst>
+              <a:ext uri="{FF2B5EF4-FFF2-40B4-BE49-F238E27FC236}">
+                <a16:creationId xmlns:a16="http://schemas.microsoft.com/office/drawing/2014/main" id="{85E4CCF7-6E5A-FF47-8C5A-B77380214AF2}"/>
+              </a:ext>
+            </a:extLst>
+          </p:cNvPr>
+          <p:cNvSpPr>
+            <a:spLocks noGrp="1"/>
+          </p:cNvSpPr>
+          <p:nvPr>
+            <p:ph type="ctrTitle"/>
           </p:nvPr>
         </p:nvSpPr>
         <p:spPr/>
@@ -3258,10 +3283,107 @@
           <a:lstStyle/>
           <a:p>
             <a:r>
-              <a:rPr lang="en-US" dirty="0" smtClean="0"/>
+              <a:rPr lang="en-US" dirty="0" err="1"/>
+              <a:t>Explorando</a:t>
+            </a:r>
+            <a:r>
+              <a:rPr lang="en-US" dirty="0"/>
+              <a:t> el DNS con DIG y </a:t>
+            </a:r>
+            <a:r>
+              <a:rPr lang="en-US" dirty="0" err="1"/>
+              <a:t>DNSViz</a:t>
+            </a:r>
+            <a:endParaRPr lang="en-US" dirty="0"/>
+          </a:p>
+        </p:txBody>
+      </p:sp>
+      <p:sp>
+        <p:nvSpPr>
+          <p:cNvPr id="5" name="Subtitle 4">
+            <a:extLst>
+              <a:ext uri="{FF2B5EF4-FFF2-40B4-BE49-F238E27FC236}">
+                <a16:creationId xmlns:a16="http://schemas.microsoft.com/office/drawing/2014/main" id="{8A69668C-0AF9-0248-ABD7-955EA655A190}"/>
+              </a:ext>
+            </a:extLst>
+          </p:cNvPr>
+          <p:cNvSpPr>
+            <a:spLocks noGrp="1"/>
+          </p:cNvSpPr>
+          <p:nvPr>
+            <p:ph type="subTitle" idx="1"/>
+          </p:nvPr>
+        </p:nvSpPr>
+        <p:spPr/>
+        <p:txBody>
+          <a:bodyPr/>
+          <a:lstStyle/>
+          <a:p>
+            <a:endParaRPr lang="en-US"/>
+          </a:p>
+        </p:txBody>
+      </p:sp>
+    </p:spTree>
+    <p:extLst>
+      <p:ext uri="{BB962C8B-B14F-4D97-AF65-F5344CB8AC3E}">
+        <p14:creationId xmlns:p14="http://schemas.microsoft.com/office/powerpoint/2010/main" val="66803940"/>
+      </p:ext>
+    </p:extLst>
+  </p:cSld>
+  <p:clrMapOvr>
+    <a:masterClrMapping/>
+  </p:clrMapOvr>
+  <mc:AlternateContent xmlns:mc="http://schemas.openxmlformats.org/markup-compatibility/2006" xmlns:p14="http://schemas.microsoft.com/office/powerpoint/2010/main">
+    <mc:Choice Requires="p14">
+      <p:transition spd="med" p14:dur="700">
+        <p:fade/>
+      </p:transition>
+    </mc:Choice>
+    <mc:Fallback xmlns="">
+      <p:transition xmlns:p14="http://schemas.microsoft.com/office/powerpoint/2010/main" spd="med">
+        <p:fade/>
+      </p:transition>
+    </mc:Fallback>
+  </mc:AlternateContent>
+</p:sld>
+</file>
+
+<file path=ppt/slides/slide2.xml><?xml version="1.0" encoding="utf-8"?>
+<p:sld xmlns:a="http://schemas.openxmlformats.org/drawingml/2006/main" xmlns:r="http://schemas.openxmlformats.org/officeDocument/2006/relationships" xmlns:p="http://schemas.openxmlformats.org/presentationml/2006/main">
+  <p:cSld>
+    <p:spTree>
+      <p:nvGrpSpPr>
+        <p:cNvPr id="1" name=""/>
+        <p:cNvGrpSpPr/>
+        <p:nvPr/>
+      </p:nvGrpSpPr>
+      <p:grpSpPr>
+        <a:xfrm>
+          <a:off x="0" y="0"/>
+          <a:ext cx="0" cy="0"/>
+          <a:chOff x="0" y="0"/>
+          <a:chExt cx="0" cy="0"/>
+        </a:xfrm>
+      </p:grpSpPr>
+      <p:sp>
+        <p:nvSpPr>
+          <p:cNvPr id="4" name="Title 3"/>
+          <p:cNvSpPr>
+            <a:spLocks noGrp="1"/>
+          </p:cNvSpPr>
+          <p:nvPr>
+            <p:ph type="title"/>
+          </p:nvPr>
+        </p:nvSpPr>
+        <p:spPr/>
+        <p:txBody>
+          <a:bodyPr/>
+          <a:lstStyle/>
+          <a:p>
+            <a:r>
+              <a:rPr lang="en-US" dirty="0"/>
               <a:t>Dig</a:t>
             </a:r>
-            <a:endParaRPr lang="en-US" dirty="0"/>
           </a:p>
         </p:txBody>
       </p:sp>
@@ -3278,186 +3400,186 @@
         <p:spPr/>
         <p:txBody>
           <a:bodyPr>
-            <a:normAutofit fontScale="92500" lnSpcReduction="10000"/>
+            <a:normAutofit lnSpcReduction="10000"/>
           </a:bodyPr>
           <a:lstStyle/>
           <a:p>
             <a:r>
-              <a:rPr lang="en-US" dirty="0" smtClean="0"/>
+              <a:rPr lang="en-US" dirty="0"/>
               <a:t>Dig </a:t>
             </a:r>
             <a:r>
-              <a:rPr lang="en-US" dirty="0" err="1" smtClean="0"/>
+              <a:rPr lang="en-US" dirty="0" err="1"/>
               <a:t>es</a:t>
             </a:r>
             <a:r>
-              <a:rPr lang="en-US" dirty="0" smtClean="0"/>
+              <a:rPr lang="en-US" dirty="0"/>
               <a:t> </a:t>
             </a:r>
             <a:r>
-              <a:rPr lang="en-US" dirty="0" err="1" smtClean="0"/>
+              <a:rPr lang="en-US" dirty="0" err="1"/>
               <a:t>una</a:t>
             </a:r>
             <a:r>
-              <a:rPr lang="en-US" dirty="0" smtClean="0"/>
+              <a:rPr lang="en-US" dirty="0"/>
               <a:t> </a:t>
             </a:r>
             <a:r>
-              <a:rPr lang="en-US" dirty="0" err="1" smtClean="0"/>
+              <a:rPr lang="en-US" dirty="0" err="1"/>
               <a:t>herramienta</a:t>
             </a:r>
             <a:r>
-              <a:rPr lang="en-US" dirty="0" smtClean="0"/>
+              <a:rPr lang="en-US" dirty="0"/>
               <a:t> </a:t>
             </a:r>
             <a:r>
-              <a:rPr lang="en-US" dirty="0" err="1" smtClean="0"/>
+              <a:rPr lang="en-US" dirty="0" err="1"/>
               <a:t>para</a:t>
             </a:r>
             <a:r>
-              <a:rPr lang="en-US" dirty="0" smtClean="0"/>
+              <a:rPr lang="en-US" dirty="0"/>
               <a:t> </a:t>
             </a:r>
             <a:r>
-              <a:rPr lang="en-US" dirty="0" err="1" smtClean="0"/>
+              <a:rPr lang="en-US" dirty="0" err="1"/>
               <a:t>hacer</a:t>
             </a:r>
             <a:r>
-              <a:rPr lang="en-US" dirty="0" smtClean="0"/>
+              <a:rPr lang="en-US" dirty="0"/>
               <a:t> </a:t>
             </a:r>
             <a:r>
-              <a:rPr lang="en-US" dirty="0" err="1" smtClean="0"/>
+              <a:rPr lang="en-US" dirty="0" err="1"/>
               <a:t>consultas</a:t>
             </a:r>
             <a:r>
-              <a:rPr lang="en-US" dirty="0" smtClean="0"/>
+              <a:rPr lang="en-US" dirty="0"/>
               <a:t> al </a:t>
             </a:r>
             <a:r>
-              <a:rPr lang="en-US" dirty="0" err="1" smtClean="0"/>
+              <a:rPr lang="en-US" dirty="0" err="1"/>
               <a:t>sistema</a:t>
             </a:r>
             <a:r>
-              <a:rPr lang="en-US" dirty="0" smtClean="0"/>
+              <a:rPr lang="en-US" dirty="0"/>
               <a:t> de DNS</a:t>
             </a:r>
           </a:p>
           <a:p>
             <a:r>
-              <a:rPr lang="en-US" dirty="0" err="1" smtClean="0"/>
+              <a:rPr lang="en-US" dirty="0" err="1"/>
               <a:t>Permite</a:t>
             </a:r>
             <a:r>
-              <a:rPr lang="en-US" dirty="0" smtClean="0"/>
+              <a:rPr lang="en-US" dirty="0"/>
               <a:t> </a:t>
             </a:r>
             <a:r>
-              <a:rPr lang="en-US" dirty="0" err="1" smtClean="0"/>
+              <a:rPr lang="en-US" dirty="0" err="1"/>
               <a:t>ajustar</a:t>
             </a:r>
             <a:r>
-              <a:rPr lang="en-US" dirty="0" smtClean="0"/>
+              <a:rPr lang="en-US" dirty="0"/>
               <a:t> </a:t>
             </a:r>
             <a:r>
-              <a:rPr lang="en-US" dirty="0" err="1" smtClean="0"/>
+              <a:rPr lang="en-US" dirty="0" err="1"/>
               <a:t>casi</a:t>
             </a:r>
             <a:r>
-              <a:rPr lang="en-US" dirty="0" smtClean="0"/>
+              <a:rPr lang="en-US" dirty="0"/>
               <a:t> </a:t>
             </a:r>
             <a:r>
-              <a:rPr lang="en-US" dirty="0" err="1" smtClean="0"/>
+              <a:rPr lang="en-US" dirty="0" err="1"/>
               <a:t>todos</a:t>
             </a:r>
             <a:r>
-              <a:rPr lang="en-US" dirty="0" smtClean="0"/>
+              <a:rPr lang="en-US" dirty="0"/>
               <a:t> los </a:t>
             </a:r>
             <a:r>
-              <a:rPr lang="en-US" dirty="0" err="1" smtClean="0"/>
+              <a:rPr lang="en-US" dirty="0" err="1"/>
               <a:t>parámetros</a:t>
             </a:r>
             <a:r>
-              <a:rPr lang="en-US" dirty="0" smtClean="0"/>
+              <a:rPr lang="en-US" dirty="0"/>
               <a:t> </a:t>
             </a:r>
             <a:r>
-              <a:rPr lang="en-US" dirty="0" err="1" smtClean="0"/>
+              <a:rPr lang="en-US" dirty="0" err="1"/>
               <a:t>posibles</a:t>
             </a:r>
             <a:r>
-              <a:rPr lang="en-US" dirty="0" smtClean="0"/>
+              <a:rPr lang="en-US" dirty="0"/>
               <a:t> de </a:t>
             </a:r>
             <a:r>
-              <a:rPr lang="en-US" dirty="0" err="1" smtClean="0"/>
+              <a:rPr lang="en-US" dirty="0" err="1"/>
               <a:t>una</a:t>
             </a:r>
             <a:r>
-              <a:rPr lang="en-US" dirty="0" smtClean="0"/>
+              <a:rPr lang="en-US" dirty="0"/>
               <a:t> </a:t>
             </a:r>
             <a:r>
-              <a:rPr lang="en-US" dirty="0" err="1" smtClean="0"/>
+              <a:rPr lang="en-US" dirty="0" err="1"/>
               <a:t>consulta</a:t>
             </a:r>
             <a:r>
-              <a:rPr lang="en-US" dirty="0" smtClean="0"/>
+              <a:rPr lang="en-US" dirty="0"/>
               <a:t> DNS </a:t>
             </a:r>
             <a:r>
-              <a:rPr lang="en-US" dirty="0" err="1" smtClean="0"/>
+              <a:rPr lang="en-US" dirty="0" err="1"/>
               <a:t>incluyendo</a:t>
             </a:r>
-            <a:endParaRPr lang="en-US" dirty="0" smtClean="0"/>
+            <a:endParaRPr lang="en-US" dirty="0"/>
           </a:p>
           <a:p>
             <a:pPr lvl="1"/>
             <a:r>
-              <a:rPr lang="en-US" dirty="0" err="1" smtClean="0"/>
+              <a:rPr lang="en-US" dirty="0" err="1"/>
               <a:t>Tipo</a:t>
             </a:r>
             <a:r>
-              <a:rPr lang="en-US" dirty="0" smtClean="0"/>
+              <a:rPr lang="en-US" dirty="0"/>
               <a:t> de </a:t>
             </a:r>
             <a:r>
-              <a:rPr lang="en-US" dirty="0" err="1" smtClean="0"/>
+              <a:rPr lang="en-US" dirty="0" err="1"/>
               <a:t>registro</a:t>
             </a:r>
-            <a:endParaRPr lang="en-US" dirty="0" smtClean="0"/>
+            <a:endParaRPr lang="en-US" dirty="0"/>
           </a:p>
           <a:p>
             <a:pPr lvl="1"/>
             <a:r>
-              <a:rPr lang="en-US" dirty="0" err="1" smtClean="0"/>
+              <a:rPr lang="en-US" dirty="0" err="1"/>
               <a:t>Servidor</a:t>
             </a:r>
             <a:r>
-              <a:rPr lang="en-US" dirty="0" smtClean="0"/>
+              <a:rPr lang="en-US" dirty="0"/>
               <a:t> al </a:t>
             </a:r>
             <a:r>
-              <a:rPr lang="en-US" dirty="0" err="1" smtClean="0"/>
+              <a:rPr lang="en-US" dirty="0" err="1"/>
               <a:t>que</a:t>
             </a:r>
             <a:r>
-              <a:rPr lang="en-US" dirty="0" smtClean="0"/>
+              <a:rPr lang="en-US" dirty="0"/>
               <a:t> al </a:t>
             </a:r>
             <a:r>
-              <a:rPr lang="en-US" dirty="0" err="1" smtClean="0"/>
+              <a:rPr lang="en-US" dirty="0" err="1"/>
               <a:t>que</a:t>
             </a:r>
             <a:r>
-              <a:rPr lang="en-US" dirty="0" smtClean="0"/>
+              <a:rPr lang="en-US" dirty="0"/>
               <a:t> </a:t>
             </a:r>
             <a:r>
-              <a:rPr lang="en-US" dirty="0" err="1" smtClean="0"/>
+              <a:rPr lang="en-US" dirty="0" err="1"/>
               <a:t>consultar</a:t>
             </a:r>
             <a:endParaRPr lang="en-US" dirty="0"/>
@@ -3465,100 +3587,99 @@
           <a:p>
             <a:pPr lvl="1"/>
             <a:r>
-              <a:rPr lang="en-US" dirty="0" smtClean="0"/>
+              <a:rPr lang="en-US" dirty="0"/>
               <a:t>Flags y </a:t>
             </a:r>
             <a:r>
-              <a:rPr lang="en-US" dirty="0" err="1" smtClean="0"/>
+              <a:rPr lang="en-US" dirty="0" err="1"/>
               <a:t>recursión</a:t>
             </a:r>
-            <a:endParaRPr lang="en-US" dirty="0" smtClean="0"/>
-          </a:p>
-          <a:p>
-            <a:r>
-              <a:rPr lang="en-US" dirty="0" err="1" smtClean="0"/>
+            <a:endParaRPr lang="en-US" dirty="0"/>
+          </a:p>
+          <a:p>
+            <a:r>
+              <a:rPr lang="en-US" dirty="0" err="1"/>
               <a:t>Viene</a:t>
             </a:r>
             <a:r>
-              <a:rPr lang="en-US" dirty="0" smtClean="0"/>
+              <a:rPr lang="en-US" dirty="0"/>
               <a:t> </a:t>
             </a:r>
             <a:r>
-              <a:rPr lang="en-US" dirty="0" err="1" smtClean="0"/>
+              <a:rPr lang="en-US" dirty="0" err="1"/>
               <a:t>disponible</a:t>
             </a:r>
             <a:r>
-              <a:rPr lang="en-US" dirty="0" smtClean="0"/>
+              <a:rPr lang="en-US" dirty="0"/>
               <a:t> </a:t>
             </a:r>
             <a:r>
-              <a:rPr lang="en-US" dirty="0" err="1" smtClean="0"/>
+              <a:rPr lang="en-US" dirty="0" err="1"/>
               <a:t>por</a:t>
             </a:r>
             <a:r>
-              <a:rPr lang="en-US" dirty="0" smtClean="0"/>
+              <a:rPr lang="en-US" dirty="0"/>
               <a:t> </a:t>
             </a:r>
             <a:r>
-              <a:rPr lang="en-US" dirty="0" err="1" smtClean="0"/>
+              <a:rPr lang="en-US" dirty="0" err="1"/>
               <a:t>defecto</a:t>
             </a:r>
             <a:r>
-              <a:rPr lang="en-US" dirty="0" smtClean="0"/>
+              <a:rPr lang="en-US" dirty="0"/>
               <a:t> en </a:t>
             </a:r>
             <a:r>
-              <a:rPr lang="en-US" dirty="0" err="1" smtClean="0"/>
+              <a:rPr lang="en-US" dirty="0" err="1"/>
               <a:t>casi</a:t>
             </a:r>
             <a:r>
-              <a:rPr lang="en-US" dirty="0" smtClean="0"/>
+              <a:rPr lang="en-US" dirty="0"/>
               <a:t> </a:t>
             </a:r>
             <a:r>
-              <a:rPr lang="en-US" dirty="0" err="1" smtClean="0"/>
+              <a:rPr lang="en-US" dirty="0" err="1"/>
               <a:t>todos</a:t>
             </a:r>
             <a:r>
-              <a:rPr lang="en-US" dirty="0" smtClean="0"/>
+              <a:rPr lang="en-US" dirty="0"/>
               <a:t> los </a:t>
             </a:r>
             <a:r>
-              <a:rPr lang="en-US" dirty="0" err="1" smtClean="0"/>
+              <a:rPr lang="en-US" dirty="0" err="1"/>
               <a:t>derivados</a:t>
             </a:r>
             <a:r>
-              <a:rPr lang="en-US" dirty="0" smtClean="0"/>
+              <a:rPr lang="en-US" dirty="0"/>
               <a:t> de Unix, en particular Ubuntu y OSX</a:t>
             </a:r>
           </a:p>
           <a:p>
             <a:pPr lvl="1"/>
             <a:r>
-              <a:rPr lang="en-US" dirty="0" err="1" smtClean="0"/>
+              <a:rPr lang="en-US" dirty="0" err="1"/>
               <a:t>Tambien</a:t>
             </a:r>
             <a:r>
-              <a:rPr lang="en-US" dirty="0" smtClean="0"/>
+              <a:rPr lang="en-US" dirty="0"/>
               <a:t> se </a:t>
             </a:r>
             <a:r>
-              <a:rPr lang="en-US" dirty="0" err="1" smtClean="0"/>
+              <a:rPr lang="en-US" dirty="0" err="1"/>
               <a:t>puede</a:t>
             </a:r>
             <a:r>
-              <a:rPr lang="en-US" dirty="0" smtClean="0"/>
+              <a:rPr lang="en-US" dirty="0"/>
               <a:t> </a:t>
             </a:r>
             <a:r>
-              <a:rPr lang="en-US" dirty="0" err="1" smtClean="0"/>
+              <a:rPr lang="en-US" dirty="0" err="1"/>
               <a:t>instalar</a:t>
             </a:r>
             <a:r>
-              <a:rPr lang="en-US" dirty="0" smtClean="0"/>
+              <a:rPr lang="en-US" dirty="0"/>
               <a:t> en Windows</a:t>
             </a:r>
-            <a:endParaRPr lang="en-US" dirty="0"/>
           </a:p>
         </p:txBody>
       </p:sp>
@@ -3587,8 +3708,8 @@
         </p:blipFill>
         <p:spPr>
           <a:xfrm>
-            <a:off x="8178800" y="5892800"/>
-            <a:ext cx="812800" cy="812800"/>
+            <a:off x="7277100" y="4419600"/>
+            <a:ext cx="609600" cy="609600"/>
           </a:xfrm>
           <a:prstGeom prst="rect">
             <a:avLst/>
@@ -3608,13 +3729,13 @@
   <p:clrMapOvr>
     <a:masterClrMapping/>
   </p:clrMapOvr>
-  <mc:AlternateContent xmlns:mc="http://schemas.openxmlformats.org/markup-compatibility/2006">
-    <mc:Choice xmlns:p14="http://schemas.microsoft.com/office/powerpoint/2010/main" Requires="p14">
+  <mc:AlternateContent xmlns:mc="http://schemas.openxmlformats.org/markup-compatibility/2006" xmlns:p14="http://schemas.microsoft.com/office/powerpoint/2010/main">
+    <mc:Choice Requires="p14">
       <p:transition spd="med" p14:dur="700" advTm="18469">
         <p:fade/>
       </p:transition>
     </mc:Choice>
-    <mc:Fallback>
+    <mc:Fallback xmlns="">
       <p:transition xmlns:p14="http://schemas.microsoft.com/office/powerpoint/2010/main" spd="med" advTm="18469">
         <p:fade/>
       </p:transition>
@@ -3623,7 +3744,7 @@
   <p:timing>
     <p:tnLst>
       <p:par>
-        <p:cTn xmlns:p14="http://schemas.microsoft.com/office/powerpoint/2010/main" id="1" dur="indefinite" restart="never" nodeType="tmRoot">
+        <p:cTn id="1" dur="indefinite" restart="never" nodeType="tmRoot">
           <p:childTnLst>
             <p:seq concurrent="1" nextAc="seek">
               <p:cTn id="2" dur="indefinite" nodeType="mainSeq">
@@ -3984,7 +4105,7 @@
 </p:sld>
 </file>
 
-<file path=ppt/slides/slide2.xml><?xml version="1.0" encoding="utf-8"?>
+<file path=ppt/slides/slide3.xml><?xml version="1.0" encoding="utf-8"?>
 <p:sld xmlns:a="http://schemas.openxmlformats.org/drawingml/2006/main" xmlns:r="http://schemas.openxmlformats.org/officeDocument/2006/relationships" xmlns:p="http://schemas.openxmlformats.org/presentationml/2006/main">
   <p:cSld>
     <p:spTree>
@@ -4017,30 +4138,29 @@
           <a:lstStyle/>
           <a:p>
             <a:r>
-              <a:rPr lang="en-US" dirty="0" err="1" smtClean="0"/>
+              <a:rPr lang="en-US" dirty="0" err="1"/>
               <a:t>Anatomía</a:t>
             </a:r>
             <a:r>
-              <a:rPr lang="en-US" dirty="0" smtClean="0"/>
+              <a:rPr lang="en-US" dirty="0"/>
               <a:t> de </a:t>
             </a:r>
             <a:r>
-              <a:rPr lang="en-US" dirty="0" err="1" smtClean="0"/>
+              <a:rPr lang="en-US" dirty="0" err="1"/>
               <a:t>una</a:t>
             </a:r>
             <a:r>
-              <a:rPr lang="en-US" dirty="0" smtClean="0"/>
+              <a:rPr lang="en-US" dirty="0"/>
               <a:t> </a:t>
             </a:r>
             <a:r>
-              <a:rPr lang="en-US" dirty="0" err="1" smtClean="0"/>
+              <a:rPr lang="en-US" dirty="0" err="1"/>
               <a:t>consulta</a:t>
             </a:r>
             <a:r>
-              <a:rPr lang="en-US" dirty="0" smtClean="0"/>
+              <a:rPr lang="en-US" dirty="0"/>
               <a:t> DNS</a:t>
             </a:r>
-            <a:endParaRPr lang="en-US" dirty="0"/>
           </a:p>
         </p:txBody>
       </p:sp>
@@ -4062,182 +4182,177 @@
           <a:lstStyle/>
           <a:p>
             <a:r>
-              <a:rPr lang="en-US" dirty="0" smtClean="0"/>
+              <a:rPr lang="en-US" dirty="0"/>
               <a:t>Un </a:t>
             </a:r>
             <a:r>
-              <a:rPr lang="en-US" dirty="0" err="1" smtClean="0"/>
+              <a:rPr lang="en-US" dirty="0" err="1"/>
               <a:t>registro</a:t>
             </a:r>
             <a:r>
-              <a:rPr lang="en-US" dirty="0" smtClean="0"/>
+              <a:rPr lang="en-US" dirty="0"/>
               <a:t> de DNS se </a:t>
             </a:r>
             <a:r>
-              <a:rPr lang="en-US" dirty="0" err="1" smtClean="0"/>
+              <a:rPr lang="en-US" dirty="0" err="1"/>
               <a:t>compone</a:t>
             </a:r>
             <a:r>
-              <a:rPr lang="en-US" dirty="0" smtClean="0"/>
+              <a:rPr lang="en-US" dirty="0"/>
               <a:t> de 5 </a:t>
             </a:r>
             <a:r>
-              <a:rPr lang="en-US" dirty="0" err="1" smtClean="0"/>
+              <a:rPr lang="en-US" dirty="0" err="1"/>
               <a:t>valores</a:t>
             </a:r>
-            <a:endParaRPr lang="en-US" dirty="0" smtClean="0"/>
+            <a:endParaRPr lang="en-US" dirty="0"/>
           </a:p>
           <a:p>
             <a:pPr lvl="1"/>
             <a:r>
-              <a:rPr lang="en-US" dirty="0" smtClean="0"/>
+              <a:rPr lang="en-US" dirty="0"/>
               <a:t>(</a:t>
             </a:r>
             <a:r>
-              <a:rPr lang="en-US" dirty="0" err="1" smtClean="0"/>
+              <a:rPr lang="en-US" dirty="0" err="1"/>
               <a:t>Nombre</a:t>
             </a:r>
             <a:r>
-              <a:rPr lang="en-US" dirty="0" smtClean="0"/>
+              <a:rPr lang="en-US" dirty="0"/>
               <a:t>, </a:t>
             </a:r>
             <a:r>
-              <a:rPr lang="en-US" dirty="0" err="1" smtClean="0"/>
+              <a:rPr lang="en-US" dirty="0" err="1"/>
               <a:t>Clase</a:t>
             </a:r>
             <a:r>
-              <a:rPr lang="en-US" dirty="0" smtClean="0"/>
+              <a:rPr lang="en-US" dirty="0"/>
               <a:t>, </a:t>
             </a:r>
             <a:r>
-              <a:rPr lang="en-US" dirty="0" err="1" smtClean="0"/>
+              <a:rPr lang="en-US" dirty="0" err="1"/>
               <a:t>Tipo</a:t>
             </a:r>
             <a:r>
-              <a:rPr lang="en-US" dirty="0" smtClean="0"/>
+              <a:rPr lang="en-US" dirty="0"/>
               <a:t>, TTL, Valor)</a:t>
             </a:r>
           </a:p>
           <a:p>
             <a:r>
-              <a:rPr lang="en-US" dirty="0" err="1" smtClean="0"/>
+              <a:rPr lang="en-US" dirty="0" err="1"/>
               <a:t>Ejemplo</a:t>
             </a:r>
             <a:r>
               <a:rPr lang="en-US" dirty="0"/>
               <a:t>:</a:t>
             </a:r>
-            <a:endParaRPr lang="en-US" dirty="0" smtClean="0"/>
           </a:p>
           <a:p>
             <a:pPr lvl="1"/>
             <a:r>
-              <a:rPr lang="en-US" dirty="0" smtClean="0"/>
+              <a:rPr lang="en-US" dirty="0"/>
               <a:t>(“</a:t>
             </a:r>
             <a:r>
-              <a:rPr lang="en-US" dirty="0" err="1" smtClean="0"/>
+              <a:rPr lang="en-US" dirty="0" err="1"/>
               <a:t>www.lacnic.net</a:t>
             </a:r>
             <a:r>
-              <a:rPr lang="en-US" dirty="0" smtClean="0"/>
+              <a:rPr lang="en-US" dirty="0"/>
               <a:t>.”, IN, AAAA, 7200, 2001:13c7:7002:4128::147)</a:t>
             </a:r>
           </a:p>
           <a:p>
             <a:r>
-              <a:rPr lang="en-US" dirty="0" smtClean="0"/>
+              <a:rPr lang="en-US" dirty="0"/>
               <a:t>En </a:t>
             </a:r>
             <a:r>
-              <a:rPr lang="en-US" dirty="0" err="1" smtClean="0"/>
+              <a:rPr lang="en-US" dirty="0" err="1"/>
               <a:t>una</a:t>
             </a:r>
             <a:r>
-              <a:rPr lang="en-US" dirty="0" smtClean="0"/>
+              <a:rPr lang="en-US" dirty="0"/>
               <a:t> </a:t>
             </a:r>
             <a:r>
-              <a:rPr lang="en-US" dirty="0" err="1" smtClean="0"/>
+              <a:rPr lang="en-US" dirty="0" err="1"/>
               <a:t>consulta</a:t>
             </a:r>
             <a:r>
               <a:rPr lang="en-US" dirty="0"/>
+              <a:t> se </a:t>
+            </a:r>
+            <a:r>
+              <a:rPr lang="en-US" dirty="0" err="1"/>
+              <a:t>envía</a:t>
+            </a:r>
+            <a:r>
+              <a:rPr lang="en-US" dirty="0"/>
               <a:t> </a:t>
             </a:r>
             <a:r>
-              <a:rPr lang="en-US" dirty="0" smtClean="0"/>
-              <a:t>se </a:t>
-            </a:r>
-            <a:r>
-              <a:rPr lang="en-US" dirty="0" err="1" smtClean="0"/>
-              <a:t>envía</a:t>
-            </a:r>
-            <a:r>
-              <a:rPr lang="en-US" dirty="0" smtClean="0"/>
+              <a:rPr lang="en-US" dirty="0" err="1"/>
+              <a:t>este</a:t>
+            </a:r>
+            <a:r>
+              <a:rPr lang="en-US" dirty="0"/>
               <a:t> </a:t>
             </a:r>
             <a:r>
-              <a:rPr lang="en-US" dirty="0" err="1" smtClean="0"/>
-              <a:t>este</a:t>
-            </a:r>
-            <a:r>
-              <a:rPr lang="en-US" dirty="0" smtClean="0"/>
+              <a:rPr lang="en-US" dirty="0" err="1"/>
+              <a:t>mismo</a:t>
+            </a:r>
+            <a:r>
+              <a:rPr lang="en-US" dirty="0"/>
+              <a:t> vector </a:t>
+            </a:r>
+            <a:r>
+              <a:rPr lang="en-US" dirty="0" err="1"/>
+              <a:t>pero</a:t>
+            </a:r>
+            <a:r>
+              <a:rPr lang="en-US" dirty="0"/>
+              <a:t> con </a:t>
+            </a:r>
+            <a:r>
+              <a:rPr lang="en-US" dirty="0" err="1"/>
+              <a:t>algunos</a:t>
+            </a:r>
+            <a:r>
+              <a:rPr lang="en-US" dirty="0"/>
               <a:t> </a:t>
             </a:r>
             <a:r>
-              <a:rPr lang="en-US" dirty="0" err="1" smtClean="0"/>
-              <a:t>mismo</a:t>
-            </a:r>
-            <a:r>
-              <a:rPr lang="en-US" dirty="0" smtClean="0"/>
-              <a:t> vector </a:t>
-            </a:r>
-            <a:r>
-              <a:rPr lang="en-US" dirty="0" err="1" smtClean="0"/>
-              <a:t>pero</a:t>
-            </a:r>
-            <a:r>
-              <a:rPr lang="en-US" dirty="0" smtClean="0"/>
-              <a:t> con </a:t>
-            </a:r>
-            <a:r>
-              <a:rPr lang="en-US" dirty="0" err="1" smtClean="0"/>
-              <a:t>algunos</a:t>
-            </a:r>
-            <a:r>
-              <a:rPr lang="en-US" dirty="0" smtClean="0"/>
-              <a:t> </a:t>
-            </a:r>
-            <a:r>
-              <a:rPr lang="en-US" dirty="0" err="1" smtClean="0"/>
+              <a:rPr lang="en-US" dirty="0" err="1"/>
               <a:t>valores</a:t>
             </a:r>
             <a:r>
-              <a:rPr lang="en-US" dirty="0" smtClean="0"/>
+              <a:rPr lang="en-US" dirty="0"/>
               <a:t> en </a:t>
             </a:r>
             <a:r>
-              <a:rPr lang="en-US" dirty="0" err="1" smtClean="0"/>
+              <a:rPr lang="en-US" dirty="0" err="1"/>
               <a:t>blanco</a:t>
             </a:r>
             <a:r>
-              <a:rPr lang="en-US" dirty="0" smtClean="0"/>
+              <a:rPr lang="en-US" dirty="0"/>
               <a:t>:</a:t>
             </a:r>
           </a:p>
           <a:p>
             <a:pPr lvl="1"/>
             <a:r>
-              <a:rPr lang="en-US" dirty="0" smtClean="0"/>
+              <a:rPr lang="en-US" dirty="0"/>
               <a:t>(“</a:t>
             </a:r>
             <a:r>
-              <a:rPr lang="en-US" dirty="0" err="1" smtClean="0"/>
+              <a:rPr lang="en-US" dirty="0" err="1"/>
               <a:t>www.lacnic.net</a:t>
             </a:r>
             <a:r>
-              <a:rPr lang="en-US" dirty="0" smtClean="0"/>
+              <a:rPr lang="en-US" dirty="0"/>
               <a:t>.”, IN, AAAA, ???, ???)</a:t>
             </a:r>
           </a:p>
@@ -4268,8 +4383,8 @@
         </p:blipFill>
         <p:spPr>
           <a:xfrm>
-            <a:off x="8178800" y="5892800"/>
-            <a:ext cx="812800" cy="812800"/>
+            <a:off x="7277100" y="4419600"/>
+            <a:ext cx="609600" cy="609600"/>
           </a:xfrm>
           <a:prstGeom prst="rect">
             <a:avLst/>
@@ -4289,13 +4404,13 @@
   <p:clrMapOvr>
     <a:masterClrMapping/>
   </p:clrMapOvr>
-  <mc:AlternateContent xmlns:mc="http://schemas.openxmlformats.org/markup-compatibility/2006">
-    <mc:Choice xmlns:p14="http://schemas.microsoft.com/office/powerpoint/2010/main" Requires="p14">
+  <mc:AlternateContent xmlns:mc="http://schemas.openxmlformats.org/markup-compatibility/2006" xmlns:p14="http://schemas.microsoft.com/office/powerpoint/2010/main">
+    <mc:Choice Requires="p14">
       <p:transition spd="med" p14:dur="700" advTm="32547">
         <p:fade/>
       </p:transition>
     </mc:Choice>
-    <mc:Fallback>
+    <mc:Fallback xmlns="">
       <p:transition xmlns:p14="http://schemas.microsoft.com/office/powerpoint/2010/main" spd="med" advTm="32547">
         <p:fade/>
       </p:transition>
@@ -4304,7 +4419,7 @@
   <p:timing>
     <p:tnLst>
       <p:par>
-        <p:cTn xmlns:p14="http://schemas.microsoft.com/office/powerpoint/2010/main" id="1" dur="indefinite" restart="never" nodeType="tmRoot">
+        <p:cTn id="1" dur="indefinite" restart="never" nodeType="tmRoot">
           <p:childTnLst>
             <p:seq concurrent="1" nextAc="seek">
               <p:cTn id="2" dur="indefinite" nodeType="mainSeq">
@@ -4625,7 +4740,7 @@
 </p:sld>
 </file>
 
-<file path=ppt/slides/slide3.xml><?xml version="1.0" encoding="utf-8"?>
+<file path=ppt/slides/slide4.xml><?xml version="1.0" encoding="utf-8"?>
 <p:sld xmlns:a="http://schemas.openxmlformats.org/drawingml/2006/main" xmlns:r="http://schemas.openxmlformats.org/officeDocument/2006/relationships" xmlns:p="http://schemas.openxmlformats.org/presentationml/2006/main">
   <p:cSld>
     <p:spTree>
@@ -4658,30 +4773,29 @@
           <a:lstStyle/>
           <a:p>
             <a:r>
-              <a:rPr lang="en-US" dirty="0" err="1" smtClean="0"/>
+              <a:rPr lang="en-US" dirty="0" err="1"/>
               <a:t>Anatomía</a:t>
             </a:r>
             <a:r>
-              <a:rPr lang="en-US" dirty="0" smtClean="0"/>
+              <a:rPr lang="en-US" dirty="0"/>
               <a:t> de </a:t>
             </a:r>
             <a:r>
-              <a:rPr lang="en-US" dirty="0" err="1" smtClean="0"/>
+              <a:rPr lang="en-US" dirty="0" err="1"/>
               <a:t>una</a:t>
             </a:r>
             <a:r>
-              <a:rPr lang="en-US" dirty="0" smtClean="0"/>
+              <a:rPr lang="en-US" dirty="0"/>
               <a:t> </a:t>
             </a:r>
             <a:r>
-              <a:rPr lang="en-US" dirty="0" err="1" smtClean="0"/>
+              <a:rPr lang="en-US" dirty="0" err="1"/>
               <a:t>consulta</a:t>
             </a:r>
             <a:r>
-              <a:rPr lang="en-US" dirty="0" smtClean="0"/>
+              <a:rPr lang="en-US" dirty="0"/>
               <a:t> DNS (ii)</a:t>
             </a:r>
-            <a:endParaRPr lang="en-US" dirty="0"/>
           </a:p>
         </p:txBody>
       </p:sp>
@@ -4703,101 +4817,101 @@
           <a:lstStyle/>
           <a:p>
             <a:r>
-              <a:rPr lang="en-US" dirty="0" err="1" smtClean="0"/>
+              <a:rPr lang="en-US" dirty="0" err="1"/>
               <a:t>Ademas</a:t>
             </a:r>
             <a:r>
-              <a:rPr lang="en-US" dirty="0" smtClean="0"/>
+              <a:rPr lang="en-US" dirty="0"/>
               <a:t> del vector de </a:t>
             </a:r>
             <a:r>
-              <a:rPr lang="en-US" dirty="0" err="1" smtClean="0"/>
+              <a:rPr lang="en-US" dirty="0" err="1"/>
               <a:t>respuesta</a:t>
             </a:r>
             <a:r>
-              <a:rPr lang="en-US" dirty="0" smtClean="0"/>
+              <a:rPr lang="en-US" dirty="0"/>
               <a:t>, hay </a:t>
             </a:r>
             <a:r>
-              <a:rPr lang="en-US" dirty="0" err="1" smtClean="0"/>
+              <a:rPr lang="en-US" dirty="0" err="1"/>
               <a:t>ciertos</a:t>
             </a:r>
             <a:r>
-              <a:rPr lang="en-US" dirty="0" smtClean="0"/>
+              <a:rPr lang="en-US" dirty="0"/>
               <a:t> </a:t>
             </a:r>
             <a:r>
-              <a:rPr lang="en-US" b="1" dirty="0" smtClean="0"/>
+              <a:rPr lang="en-US" b="1" dirty="0"/>
               <a:t>flags</a:t>
             </a:r>
             <a:r>
-              <a:rPr lang="en-US" dirty="0" smtClean="0"/>
+              <a:rPr lang="en-US" dirty="0"/>
               <a:t> </a:t>
             </a:r>
             <a:r>
-              <a:rPr lang="en-US" dirty="0" err="1" smtClean="0"/>
+              <a:rPr lang="en-US" dirty="0" err="1"/>
               <a:t>que</a:t>
             </a:r>
             <a:r>
-              <a:rPr lang="en-US" dirty="0" smtClean="0"/>
+              <a:rPr lang="en-US" dirty="0"/>
               <a:t> son </a:t>
             </a:r>
             <a:r>
-              <a:rPr lang="en-US" dirty="0" err="1" smtClean="0"/>
+              <a:rPr lang="en-US" dirty="0" err="1"/>
               <a:t>importantes</a:t>
             </a:r>
-            <a:endParaRPr lang="en-US" dirty="0" smtClean="0"/>
-          </a:p>
-          <a:p>
-            <a:r>
-              <a:rPr lang="en-US" dirty="0" smtClean="0"/>
+            <a:endParaRPr lang="en-US" dirty="0"/>
+          </a:p>
+          <a:p>
+            <a:r>
+              <a:rPr lang="en-US" dirty="0"/>
               <a:t>Flags</a:t>
             </a:r>
           </a:p>
           <a:p>
             <a:pPr lvl="1"/>
             <a:r>
-              <a:rPr lang="en-US" dirty="0" smtClean="0"/>
+              <a:rPr lang="en-US" dirty="0"/>
               <a:t>RD, RA: </a:t>
             </a:r>
             <a:r>
-              <a:rPr lang="en-US" dirty="0" err="1" smtClean="0"/>
+              <a:rPr lang="en-US" dirty="0" err="1"/>
               <a:t>estado</a:t>
             </a:r>
             <a:r>
-              <a:rPr lang="en-US" dirty="0" smtClean="0"/>
+              <a:rPr lang="en-US" dirty="0"/>
               <a:t> de </a:t>
             </a:r>
             <a:r>
-              <a:rPr lang="en-US" dirty="0" err="1" smtClean="0"/>
+              <a:rPr lang="en-US" dirty="0" err="1"/>
               <a:t>recursión</a:t>
             </a:r>
-            <a:endParaRPr lang="en-US" dirty="0" smtClean="0"/>
+            <a:endParaRPr lang="en-US" dirty="0"/>
           </a:p>
           <a:p>
             <a:pPr lvl="1"/>
             <a:r>
-              <a:rPr lang="en-US" dirty="0" smtClean="0"/>
+              <a:rPr lang="en-US" dirty="0"/>
               <a:t>AA: authoritative answer</a:t>
             </a:r>
           </a:p>
           <a:p>
             <a:pPr lvl="1"/>
             <a:r>
-              <a:rPr lang="en-US" dirty="0" smtClean="0"/>
+              <a:rPr lang="en-US" dirty="0"/>
               <a:t>TC: truncated answer</a:t>
             </a:r>
           </a:p>
           <a:p>
             <a:pPr lvl="1"/>
             <a:r>
-              <a:rPr lang="en-US" dirty="0" smtClean="0"/>
+              <a:rPr lang="en-US" dirty="0"/>
               <a:t>AD: authenticated data</a:t>
             </a:r>
           </a:p>
           <a:p>
             <a:pPr lvl="1"/>
-            <a:endParaRPr lang="en-US" dirty="0" smtClean="0"/>
+            <a:endParaRPr lang="en-US" dirty="0"/>
           </a:p>
         </p:txBody>
       </p:sp>
@@ -4826,8 +4940,8 @@
         </p:blipFill>
         <p:spPr>
           <a:xfrm>
-            <a:off x="8178800" y="5892800"/>
-            <a:ext cx="812800" cy="812800"/>
+            <a:off x="7277100" y="4419600"/>
+            <a:ext cx="609600" cy="609600"/>
           </a:xfrm>
           <a:prstGeom prst="rect">
             <a:avLst/>
@@ -4847,13 +4961,13 @@
   <p:clrMapOvr>
     <a:masterClrMapping/>
   </p:clrMapOvr>
-  <mc:AlternateContent xmlns:mc="http://schemas.openxmlformats.org/markup-compatibility/2006">
-    <mc:Choice xmlns:p14="http://schemas.microsoft.com/office/powerpoint/2010/main" Requires="p14">
+  <mc:AlternateContent xmlns:mc="http://schemas.openxmlformats.org/markup-compatibility/2006" xmlns:p14="http://schemas.microsoft.com/office/powerpoint/2010/main">
+    <mc:Choice Requires="p14">
       <p:transition spd="med" p14:dur="700" advTm="8135">
         <p:fade/>
       </p:transition>
     </mc:Choice>
-    <mc:Fallback>
+    <mc:Fallback xmlns="">
       <p:transition xmlns:p14="http://schemas.microsoft.com/office/powerpoint/2010/main" spd="med" advTm="8135">
         <p:fade/>
       </p:transition>
@@ -4862,7 +4976,7 @@
   <p:timing>
     <p:tnLst>
       <p:par>
-        <p:cTn xmlns:p14="http://schemas.microsoft.com/office/powerpoint/2010/main" id="1" dur="indefinite" restart="never" nodeType="tmRoot">
+        <p:cTn id="1" dur="indefinite" restart="never" nodeType="tmRoot">
           <p:childTnLst>
             <p:seq concurrent="1" nextAc="seek">
               <p:cTn id="2" dur="indefinite" nodeType="mainSeq">
@@ -5174,7 +5288,7 @@
 </p:sld>
 </file>
 
-<file path=ppt/slides/slide4.xml><?xml version="1.0" encoding="utf-8"?>
+<file path=ppt/slides/slide5.xml><?xml version="1.0" encoding="utf-8"?>
 <p:sld xmlns:a="http://schemas.openxmlformats.org/drawingml/2006/main" xmlns:r="http://schemas.openxmlformats.org/officeDocument/2006/relationships" xmlns:p="http://schemas.openxmlformats.org/presentationml/2006/main">
   <p:cSld>
     <p:spTree>
@@ -5207,30 +5321,29 @@
           <a:lstStyle/>
           <a:p>
             <a:r>
-              <a:rPr lang="en-US" dirty="0" err="1" smtClean="0"/>
+              <a:rPr lang="en-US" dirty="0" err="1"/>
               <a:t>Anatomía</a:t>
             </a:r>
             <a:r>
-              <a:rPr lang="en-US" dirty="0" smtClean="0"/>
+              <a:rPr lang="en-US" dirty="0"/>
               <a:t> de </a:t>
             </a:r>
             <a:r>
-              <a:rPr lang="en-US" dirty="0" err="1" smtClean="0"/>
+              <a:rPr lang="en-US" dirty="0" err="1"/>
               <a:t>una</a:t>
             </a:r>
             <a:r>
-              <a:rPr lang="en-US" dirty="0" smtClean="0"/>
+              <a:rPr lang="en-US" dirty="0"/>
               <a:t> </a:t>
             </a:r>
             <a:r>
-              <a:rPr lang="en-US" dirty="0" err="1" smtClean="0"/>
+              <a:rPr lang="en-US" dirty="0" err="1"/>
               <a:t>consulta</a:t>
             </a:r>
             <a:r>
-              <a:rPr lang="en-US" dirty="0" smtClean="0"/>
+              <a:rPr lang="en-US" dirty="0"/>
               <a:t> DNS (iii)</a:t>
             </a:r>
-            <a:endParaRPr lang="en-US" dirty="0"/>
           </a:p>
         </p:txBody>
       </p:sp>
@@ -5246,8 +5359,8 @@
         </p:nvSpPr>
         <p:spPr>
           <a:xfrm>
-            <a:off x="457200" y="1600200"/>
-            <a:ext cx="4424230" cy="4525963"/>
+            <a:off x="1485900" y="1200151"/>
+            <a:ext cx="3318173" cy="3394472"/>
           </a:xfrm>
         </p:spPr>
         <p:txBody>
@@ -5255,107 +5368,103 @@
           <a:lstStyle/>
           <a:p>
             <a:r>
-              <a:rPr lang="en-US" dirty="0" err="1" smtClean="0"/>
+              <a:rPr lang="en-US" dirty="0" err="1"/>
               <a:t>Resumiendo</a:t>
             </a:r>
             <a:r>
-              <a:rPr lang="en-US" dirty="0" smtClean="0"/>
+              <a:rPr lang="en-US" dirty="0"/>
               <a:t>, </a:t>
             </a:r>
             <a:r>
-              <a:rPr lang="en-US" dirty="0" err="1" smtClean="0"/>
+              <a:rPr lang="en-US" dirty="0" err="1"/>
               <a:t>una</a:t>
             </a:r>
             <a:r>
-              <a:rPr lang="en-US" dirty="0" smtClean="0"/>
+              <a:rPr lang="en-US" dirty="0"/>
               <a:t> PDU de DNS (</a:t>
             </a:r>
             <a:r>
-              <a:rPr lang="en-US" dirty="0" err="1" smtClean="0"/>
+              <a:rPr lang="en-US" dirty="0" err="1"/>
               <a:t>ya</a:t>
             </a:r>
             <a:r>
-              <a:rPr lang="en-US" dirty="0" smtClean="0"/>
+              <a:rPr lang="en-US" dirty="0"/>
               <a:t> sea </a:t>
             </a:r>
             <a:r>
-              <a:rPr lang="en-US" dirty="0" err="1" smtClean="0"/>
+              <a:rPr lang="en-US" dirty="0" err="1"/>
               <a:t>consulta</a:t>
             </a:r>
             <a:r>
-              <a:rPr lang="en-US" dirty="0" smtClean="0"/>
+              <a:rPr lang="en-US" dirty="0"/>
               <a:t> o </a:t>
             </a:r>
             <a:r>
-              <a:rPr lang="en-US" dirty="0" err="1" smtClean="0"/>
+              <a:rPr lang="en-US" dirty="0" err="1"/>
               <a:t>respuesta</a:t>
             </a:r>
             <a:r>
-              <a:rPr lang="en-US" dirty="0" smtClean="0"/>
+              <a:rPr lang="en-US" dirty="0"/>
               <a:t>) se </a:t>
             </a:r>
             <a:r>
-              <a:rPr lang="en-US" dirty="0" err="1" smtClean="0"/>
+              <a:rPr lang="en-US" dirty="0" err="1"/>
               <a:t>compone</a:t>
             </a:r>
             <a:r>
-              <a:rPr lang="en-US" dirty="0" smtClean="0"/>
+              <a:rPr lang="en-US" dirty="0"/>
               <a:t> de </a:t>
             </a:r>
             <a:r>
-              <a:rPr lang="en-US" b="1" dirty="0" err="1" smtClean="0"/>
+              <a:rPr lang="en-US" b="1" dirty="0" err="1"/>
               <a:t>secciones</a:t>
             </a:r>
             <a:r>
               <a:rPr lang="en-US" dirty="0"/>
+              <a:t> y </a:t>
+            </a:r>
+            <a:r>
+              <a:rPr lang="en-US" dirty="0" err="1"/>
+              <a:t>cada</a:t>
+            </a:r>
+            <a:r>
+              <a:rPr lang="en-US" dirty="0"/>
               <a:t> </a:t>
             </a:r>
             <a:r>
-              <a:rPr lang="en-US" dirty="0" smtClean="0"/>
-              <a:t>y </a:t>
-            </a:r>
-            <a:r>
-              <a:rPr lang="en-US" dirty="0" err="1" smtClean="0"/>
-              <a:t>cada</a:t>
-            </a:r>
-            <a:r>
-              <a:rPr lang="en-US" dirty="0" smtClean="0"/>
+              <a:rPr lang="en-US" dirty="0" err="1"/>
+              <a:t>sección</a:t>
+            </a:r>
+            <a:r>
+              <a:rPr lang="en-US" dirty="0"/>
+              <a:t> se </a:t>
+            </a:r>
+            <a:r>
+              <a:rPr lang="en-US" dirty="0" err="1"/>
+              <a:t>compone</a:t>
+            </a:r>
+            <a:r>
+              <a:rPr lang="en-US" dirty="0"/>
+              <a:t> de </a:t>
+            </a:r>
+            <a:r>
+              <a:rPr lang="en-US" dirty="0" err="1"/>
+              <a:t>una</a:t>
+            </a:r>
+            <a:r>
+              <a:rPr lang="en-US" dirty="0"/>
               <a:t> </a:t>
             </a:r>
             <a:r>
-              <a:rPr lang="en-US" dirty="0" err="1" smtClean="0"/>
-              <a:t>sección</a:t>
-            </a:r>
-            <a:r>
-              <a:rPr lang="en-US" dirty="0" smtClean="0"/>
-              <a:t> se </a:t>
-            </a:r>
-            <a:r>
-              <a:rPr lang="en-US" dirty="0" err="1" smtClean="0"/>
-              <a:t>compone</a:t>
-            </a:r>
-            <a:r>
-              <a:rPr lang="en-US" dirty="0" smtClean="0"/>
+              <a:rPr lang="en-US" dirty="0" err="1"/>
+              <a:t>lista</a:t>
+            </a:r>
+            <a:r>
+              <a:rPr lang="en-US" dirty="0"/>
               <a:t> de </a:t>
             </a:r>
             <a:r>
-              <a:rPr lang="en-US" dirty="0" err="1" smtClean="0"/>
-              <a:t>una</a:t>
-            </a:r>
-            <a:r>
-              <a:rPr lang="en-US" dirty="0" smtClean="0"/>
-              <a:t> </a:t>
-            </a:r>
-            <a:r>
-              <a:rPr lang="en-US" dirty="0" err="1" smtClean="0"/>
-              <a:t>lista</a:t>
-            </a:r>
-            <a:r>
-              <a:rPr lang="en-US" dirty="0" smtClean="0"/>
-              <a:t> de </a:t>
-            </a:r>
-            <a:r>
-              <a:rPr lang="en-US" b="1" dirty="0" err="1" smtClean="0"/>
+              <a:rPr lang="en-US" b="1" dirty="0" err="1"/>
               <a:t>registros</a:t>
             </a:r>
             <a:endParaRPr lang="en-US" dirty="0"/>
@@ -5370,8 +5479,8 @@
         </p:nvGrpSpPr>
         <p:grpSpPr>
           <a:xfrm>
-            <a:off x="5613827" y="1509088"/>
-            <a:ext cx="3189685" cy="4701822"/>
+            <a:off x="5353371" y="1131816"/>
+            <a:ext cx="2392264" cy="3526367"/>
             <a:chOff x="5867400" y="1676400"/>
             <a:chExt cx="2895600" cy="4267200"/>
           </a:xfrm>
@@ -5414,7 +5523,7 @@
             <a:lstStyle/>
             <a:p>
               <a:pPr algn="ctr"/>
-              <a:endParaRPr lang="en-US">
+              <a:endParaRPr lang="en-US" sz="1350">
                 <a:solidFill>
                   <a:srgbClr val="333399"/>
                 </a:solidFill>
@@ -5431,7 +5540,7 @@
           <p:spPr>
             <a:xfrm>
               <a:off x="6096000" y="1752600"/>
-              <a:ext cx="2438400" cy="523220"/>
+              <a:ext cx="2438400" cy="544687"/>
             </a:xfrm>
             <a:prstGeom prst="rect">
               <a:avLst/>
@@ -5446,7 +5555,7 @@
             <a:p>
               <a:pPr algn="ctr"/>
               <a:r>
-                <a:rPr lang="en-US" sz="3100" b="1" dirty="0">
+                <a:rPr lang="en-US" sz="2325" b="1" dirty="0">
                   <a:solidFill>
                     <a:srgbClr val="333399"/>
                   </a:solidFill>
@@ -5506,7 +5615,7 @@
           <p:spPr>
             <a:xfrm>
               <a:off x="6096000" y="2448580"/>
-              <a:ext cx="2438400" cy="523220"/>
+              <a:ext cx="2438400" cy="544687"/>
             </a:xfrm>
             <a:prstGeom prst="rect">
               <a:avLst/>
@@ -5521,7 +5630,7 @@
             <a:p>
               <a:pPr algn="ctr"/>
               <a:r>
-                <a:rPr lang="en-US" sz="3100" b="1" dirty="0">
+                <a:rPr lang="en-US" sz="2325" b="1" dirty="0">
                   <a:solidFill>
                     <a:srgbClr val="333399"/>
                   </a:solidFill>
@@ -5581,7 +5690,7 @@
           <p:spPr>
             <a:xfrm>
               <a:off x="6096000" y="3515380"/>
-              <a:ext cx="2438400" cy="523220"/>
+              <a:ext cx="2438400" cy="544687"/>
             </a:xfrm>
             <a:prstGeom prst="rect">
               <a:avLst/>
@@ -5596,7 +5705,7 @@
             <a:p>
               <a:pPr algn="ctr"/>
               <a:r>
-                <a:rPr lang="en-US" sz="3100" b="1" dirty="0">
+                <a:rPr lang="en-US" sz="2325" b="1" dirty="0">
                   <a:solidFill>
                     <a:srgbClr val="333399"/>
                   </a:solidFill>
@@ -5656,7 +5765,7 @@
           <p:spPr>
             <a:xfrm>
               <a:off x="6172200" y="4429780"/>
-              <a:ext cx="2438400" cy="523220"/>
+              <a:ext cx="2438400" cy="544687"/>
             </a:xfrm>
             <a:prstGeom prst="rect">
               <a:avLst/>
@@ -5671,7 +5780,7 @@
             <a:p>
               <a:pPr algn="ctr"/>
               <a:r>
-                <a:rPr lang="en-US" sz="3100" b="1" dirty="0">
+                <a:rPr lang="en-US" sz="2325" b="1" dirty="0">
                   <a:solidFill>
                     <a:srgbClr val="333399"/>
                   </a:solidFill>
@@ -5731,7 +5840,7 @@
           <p:spPr>
             <a:xfrm>
               <a:off x="6096000" y="5191780"/>
-              <a:ext cx="2438400" cy="523220"/>
+              <a:ext cx="2438400" cy="544687"/>
             </a:xfrm>
             <a:prstGeom prst="rect">
               <a:avLst/>
@@ -5746,7 +5855,7 @@
             <a:p>
               <a:pPr algn="ctr"/>
               <a:r>
-                <a:rPr lang="en-US" sz="3100" b="1" dirty="0">
+                <a:rPr lang="en-US" sz="2325" b="1" dirty="0">
                   <a:solidFill>
                     <a:srgbClr val="333399"/>
                   </a:solidFill>
@@ -5784,8 +5893,8 @@
         </p:blipFill>
         <p:spPr>
           <a:xfrm>
-            <a:off x="8178800" y="5892800"/>
-            <a:ext cx="812800" cy="812800"/>
+            <a:off x="7277100" y="4419600"/>
+            <a:ext cx="609600" cy="609600"/>
           </a:xfrm>
           <a:prstGeom prst="rect">
             <a:avLst/>
@@ -5805,13 +5914,13 @@
   <p:clrMapOvr>
     <a:masterClrMapping/>
   </p:clrMapOvr>
-  <mc:AlternateContent xmlns:mc="http://schemas.openxmlformats.org/markup-compatibility/2006">
-    <mc:Choice xmlns:p14="http://schemas.microsoft.com/office/powerpoint/2010/main" Requires="p14">
+  <mc:AlternateContent xmlns:mc="http://schemas.openxmlformats.org/markup-compatibility/2006" xmlns:p14="http://schemas.microsoft.com/office/powerpoint/2010/main">
+    <mc:Choice Requires="p14">
       <p:transition spd="med" p14:dur="700" advTm="8171">
         <p:fade/>
       </p:transition>
     </mc:Choice>
-    <mc:Fallback>
+    <mc:Fallback xmlns="">
       <p:transition xmlns:p14="http://schemas.microsoft.com/office/powerpoint/2010/main" spd="med" advTm="8171">
         <p:fade/>
       </p:transition>
@@ -5820,7 +5929,7 @@
   <p:timing>
     <p:tnLst>
       <p:par>
-        <p:cTn xmlns:p14="http://schemas.microsoft.com/office/powerpoint/2010/main" id="1" dur="indefinite" restart="never" nodeType="tmRoot">
+        <p:cTn id="1" dur="indefinite" restart="never" nodeType="tmRoot">
           <p:childTnLst>
             <p:seq concurrent="1" nextAc="seek">
               <p:cTn id="2" dur="indefinite" nodeType="mainSeq">
@@ -5956,6 +6065,206 @@
       <p:bldP spid="3" grpId="0" build="p"/>
     </p:bldLst>
   </p:timing>
+</p:sld>
+</file>
+
+<file path=ppt/slides/slide6.xml><?xml version="1.0" encoding="utf-8"?>
+<p:sld xmlns:a="http://schemas.openxmlformats.org/drawingml/2006/main" xmlns:r="http://schemas.openxmlformats.org/officeDocument/2006/relationships" xmlns:p="http://schemas.openxmlformats.org/presentationml/2006/main">
+  <p:cSld>
+    <p:spTree>
+      <p:nvGrpSpPr>
+        <p:cNvPr id="1" name=""/>
+        <p:cNvGrpSpPr/>
+        <p:nvPr/>
+      </p:nvGrpSpPr>
+      <p:grpSpPr>
+        <a:xfrm>
+          <a:off x="0" y="0"/>
+          <a:ext cx="0" cy="0"/>
+          <a:chOff x="0" y="0"/>
+          <a:chExt cx="0" cy="0"/>
+        </a:xfrm>
+      </p:grpSpPr>
+      <p:sp>
+        <p:nvSpPr>
+          <p:cNvPr id="2" name="Title 1">
+            <a:extLst>
+              <a:ext uri="{FF2B5EF4-FFF2-40B4-BE49-F238E27FC236}">
+                <a16:creationId xmlns:a16="http://schemas.microsoft.com/office/drawing/2014/main" id="{1E3E01F4-62DA-4A4A-862E-F14DF021A37B}"/>
+              </a:ext>
+            </a:extLst>
+          </p:cNvPr>
+          <p:cNvSpPr>
+            <a:spLocks noGrp="1"/>
+          </p:cNvSpPr>
+          <p:nvPr>
+            <p:ph type="title"/>
+          </p:nvPr>
+        </p:nvSpPr>
+        <p:spPr/>
+        <p:txBody>
+          <a:bodyPr/>
+          <a:lstStyle/>
+          <a:p>
+            <a:r>
+              <a:rPr lang="en-US" dirty="0" err="1"/>
+              <a:t>DNSViz</a:t>
+            </a:r>
+            <a:endParaRPr lang="en-US" dirty="0"/>
+          </a:p>
+        </p:txBody>
+      </p:sp>
+      <p:sp>
+        <p:nvSpPr>
+          <p:cNvPr id="3" name="Content Placeholder 2">
+            <a:extLst>
+              <a:ext uri="{FF2B5EF4-FFF2-40B4-BE49-F238E27FC236}">
+                <a16:creationId xmlns:a16="http://schemas.microsoft.com/office/drawing/2014/main" id="{2E647215-6709-D140-96FA-A59CFBA802B2}"/>
+              </a:ext>
+            </a:extLst>
+          </p:cNvPr>
+          <p:cNvSpPr>
+            <a:spLocks noGrp="1"/>
+          </p:cNvSpPr>
+          <p:nvPr>
+            <p:ph idx="1"/>
+          </p:nvPr>
+        </p:nvSpPr>
+        <p:spPr/>
+        <p:txBody>
+          <a:bodyPr/>
+          <a:lstStyle/>
+          <a:p>
+            <a:r>
+              <a:rPr lang="en-US" dirty="0">
+                <a:hlinkClick r:id="rId2"/>
+              </a:rPr>
+              <a:t>https://dnsviz.net</a:t>
+            </a:r>
+            <a:r>
+              <a:rPr lang="en-US" dirty="0"/>
+              <a:t> </a:t>
+            </a:r>
+          </a:p>
+          <a:p>
+            <a:endParaRPr lang="en-US" dirty="0"/>
+          </a:p>
+        </p:txBody>
+      </p:sp>
+    </p:spTree>
+    <p:extLst>
+      <p:ext uri="{BB962C8B-B14F-4D97-AF65-F5344CB8AC3E}">
+        <p14:creationId xmlns:p14="http://schemas.microsoft.com/office/powerpoint/2010/main" val="719622823"/>
+      </p:ext>
+    </p:extLst>
+  </p:cSld>
+  <p:clrMapOvr>
+    <a:masterClrMapping/>
+  </p:clrMapOvr>
+  <mc:AlternateContent xmlns:mc="http://schemas.openxmlformats.org/markup-compatibility/2006" xmlns:p14="http://schemas.microsoft.com/office/powerpoint/2010/main">
+    <mc:Choice Requires="p14">
+      <p:transition spd="med" p14:dur="700">
+        <p:fade/>
+      </p:transition>
+    </mc:Choice>
+    <mc:Fallback xmlns="">
+      <p:transition xmlns:p14="http://schemas.microsoft.com/office/powerpoint/2010/main" spd="med">
+        <p:fade/>
+      </p:transition>
+    </mc:Fallback>
+  </mc:AlternateContent>
+</p:sld>
+</file>
+
+<file path=ppt/slides/slide7.xml><?xml version="1.0" encoding="utf-8"?>
+<p:sld xmlns:a="http://schemas.openxmlformats.org/drawingml/2006/main" xmlns:r="http://schemas.openxmlformats.org/officeDocument/2006/relationships" xmlns:p="http://schemas.openxmlformats.org/presentationml/2006/main">
+  <p:cSld>
+    <p:spTree>
+      <p:nvGrpSpPr>
+        <p:cNvPr id="1" name=""/>
+        <p:cNvGrpSpPr/>
+        <p:nvPr/>
+      </p:nvGrpSpPr>
+      <p:grpSpPr>
+        <a:xfrm>
+          <a:off x="0" y="0"/>
+          <a:ext cx="0" cy="0"/>
+          <a:chOff x="0" y="0"/>
+          <a:chExt cx="0" cy="0"/>
+        </a:xfrm>
+      </p:grpSpPr>
+      <p:sp>
+        <p:nvSpPr>
+          <p:cNvPr id="2" name="Title 1">
+            <a:extLst>
+              <a:ext uri="{FF2B5EF4-FFF2-40B4-BE49-F238E27FC236}">
+                <a16:creationId xmlns:a16="http://schemas.microsoft.com/office/drawing/2014/main" id="{21D49621-1047-BE44-921D-26E9A62EBB0D}"/>
+              </a:ext>
+            </a:extLst>
+          </p:cNvPr>
+          <p:cNvSpPr>
+            <a:spLocks noGrp="1"/>
+          </p:cNvSpPr>
+          <p:nvPr>
+            <p:ph type="title"/>
+          </p:nvPr>
+        </p:nvSpPr>
+        <p:spPr/>
+        <p:txBody>
+          <a:bodyPr/>
+          <a:lstStyle/>
+          <a:p>
+            <a:endParaRPr lang="en-US"/>
+          </a:p>
+        </p:txBody>
+      </p:sp>
+      <p:sp>
+        <p:nvSpPr>
+          <p:cNvPr id="3" name="Content Placeholder 2">
+            <a:extLst>
+              <a:ext uri="{FF2B5EF4-FFF2-40B4-BE49-F238E27FC236}">
+                <a16:creationId xmlns:a16="http://schemas.microsoft.com/office/drawing/2014/main" id="{D64E2A94-6493-6C4C-A4A8-AD9229BC33E7}"/>
+              </a:ext>
+            </a:extLst>
+          </p:cNvPr>
+          <p:cNvSpPr>
+            <a:spLocks noGrp="1"/>
+          </p:cNvSpPr>
+          <p:nvPr>
+            <p:ph idx="1"/>
+          </p:nvPr>
+        </p:nvSpPr>
+        <p:spPr/>
+        <p:txBody>
+          <a:bodyPr/>
+          <a:lstStyle/>
+          <a:p>
+            <a:endParaRPr lang="en-US"/>
+          </a:p>
+        </p:txBody>
+      </p:sp>
+    </p:spTree>
+    <p:extLst>
+      <p:ext uri="{BB962C8B-B14F-4D97-AF65-F5344CB8AC3E}">
+        <p14:creationId xmlns:p14="http://schemas.microsoft.com/office/powerpoint/2010/main" val="3736481795"/>
+      </p:ext>
+    </p:extLst>
+  </p:cSld>
+  <p:clrMapOvr>
+    <a:masterClrMapping/>
+  </p:clrMapOvr>
+  <mc:AlternateContent xmlns:mc="http://schemas.openxmlformats.org/markup-compatibility/2006" xmlns:p14="http://schemas.microsoft.com/office/powerpoint/2010/main">
+    <mc:Choice Requires="p14">
+      <p:transition spd="med" p14:dur="700">
+        <p:fade/>
+      </p:transition>
+    </mc:Choice>
+    <mc:Fallback xmlns="">
+      <p:transition xmlns:p14="http://schemas.microsoft.com/office/powerpoint/2010/main" spd="med">
+        <p:fade/>
+      </p:transition>
+    </mc:Fallback>
+  </mc:AlternateContent>
 </p:sld>
 </file>
 
